--- a/Submission 01/slide.pptx
+++ b/Submission 01/slide.pptx
@@ -36,6 +36,11 @@
       <p:bold r:id="rId22"/>
       <p:italic r:id="rId23"/>
       <p:boldItalic r:id="rId24"/>
+    </p:embeddedFont>
+    <p:embeddedFont>
+      <p:font typeface="Alexandria"/>
+      <p:regular r:id="rId25"/>
+      <p:bold r:id="rId26"/>
     </p:embeddedFont>
   </p:embeddedFontLst>
   <p:defaultTextStyle>
@@ -816,7 +821,7 @@
   <p:cSld>
     <p:spTree>
       <p:nvGrpSpPr>
-        <p:cNvPr id="123" name="Shape 123"/>
+        <p:cNvPr id="133" name="Shape 133"/>
         <p:cNvGrpSpPr/>
         <p:nvPr/>
       </p:nvGrpSpPr>
@@ -830,7 +835,7 @@
       </p:grpSpPr>
       <p:sp>
         <p:nvSpPr>
-          <p:cNvPr id="124" name="Google Shape;124;g29178b8c21e_1_56:notes"/>
+          <p:cNvPr id="134" name="Google Shape;134;g29178b8c21e_1_56:notes"/>
           <p:cNvSpPr/>
           <p:nvPr>
             <p:ph idx="2" type="sldImg"/>
@@ -865,7 +870,7 @@
       </p:sp>
       <p:sp>
         <p:nvSpPr>
-          <p:cNvPr id="125" name="Google Shape;125;g29178b8c21e_1_56:notes"/>
+          <p:cNvPr id="135" name="Google Shape;135;g29178b8c21e_1_56:notes"/>
           <p:cNvSpPr txBox="1"/>
           <p:nvPr>
             <p:ph idx="1" type="body"/>
@@ -915,7 +920,7 @@
   <p:cSld>
     <p:spTree>
       <p:nvGrpSpPr>
-        <p:cNvPr id="129" name="Shape 129"/>
+        <p:cNvPr id="140" name="Shape 140"/>
         <p:cNvGrpSpPr/>
         <p:nvPr/>
       </p:nvGrpSpPr>
@@ -929,7 +934,7 @@
       </p:grpSpPr>
       <p:sp>
         <p:nvSpPr>
-          <p:cNvPr id="130" name="Google Shape;130;g29178b8c21e_1_33:notes"/>
+          <p:cNvPr id="141" name="Google Shape;141;g29178b8c21e_1_33:notes"/>
           <p:cNvSpPr/>
           <p:nvPr>
             <p:ph idx="2" type="sldImg"/>
@@ -964,7 +969,7 @@
       </p:sp>
       <p:sp>
         <p:nvSpPr>
-          <p:cNvPr id="131" name="Google Shape;131;g29178b8c21e_1_33:notes"/>
+          <p:cNvPr id="142" name="Google Shape;142;g29178b8c21e_1_33:notes"/>
           <p:cNvSpPr txBox="1"/>
           <p:nvPr>
             <p:ph idx="1" type="body"/>
@@ -1014,7 +1019,7 @@
   <p:cSld>
     <p:spTree>
       <p:nvGrpSpPr>
-        <p:cNvPr id="134" name="Shape 134"/>
+        <p:cNvPr id="146" name="Shape 146"/>
         <p:cNvGrpSpPr/>
         <p:nvPr/>
       </p:nvGrpSpPr>
@@ -1028,7 +1033,7 @@
       </p:grpSpPr>
       <p:sp>
         <p:nvSpPr>
-          <p:cNvPr id="135" name="Google Shape;135;g29178b8c21e_1_11:notes"/>
+          <p:cNvPr id="147" name="Google Shape;147;g29178b8c21e_1_11:notes"/>
           <p:cNvSpPr/>
           <p:nvPr>
             <p:ph idx="2" type="sldImg"/>
@@ -1063,7 +1068,7 @@
       </p:sp>
       <p:sp>
         <p:nvSpPr>
-          <p:cNvPr id="136" name="Google Shape;136;g29178b8c21e_1_11:notes"/>
+          <p:cNvPr id="148" name="Google Shape;148;g29178b8c21e_1_11:notes"/>
           <p:cNvSpPr txBox="1"/>
           <p:nvPr>
             <p:ph idx="1" type="body"/>
@@ -1113,7 +1118,7 @@
   <p:cSld>
     <p:spTree>
       <p:nvGrpSpPr>
-        <p:cNvPr id="144" name="Shape 144"/>
+        <p:cNvPr id="157" name="Shape 157"/>
         <p:cNvGrpSpPr/>
         <p:nvPr/>
       </p:nvGrpSpPr>
@@ -1127,7 +1132,7 @@
       </p:grpSpPr>
       <p:sp>
         <p:nvSpPr>
-          <p:cNvPr id="145" name="Google Shape;145;gc6f75fceb_0_65:notes"/>
+          <p:cNvPr id="158" name="Google Shape;158;gc6f75fceb_0_65:notes"/>
           <p:cNvSpPr/>
           <p:nvPr>
             <p:ph idx="2" type="sldImg"/>
@@ -1162,7 +1167,7 @@
       </p:sp>
       <p:sp>
         <p:nvSpPr>
-          <p:cNvPr id="146" name="Google Shape;146;gc6f75fceb_0_65:notes"/>
+          <p:cNvPr id="159" name="Google Shape;159;gc6f75fceb_0_65:notes"/>
           <p:cNvSpPr txBox="1"/>
           <p:nvPr>
             <p:ph idx="1" type="body"/>
@@ -1212,7 +1217,7 @@
   <p:cSld>
     <p:spTree>
       <p:nvGrpSpPr>
-        <p:cNvPr id="66" name="Shape 66"/>
+        <p:cNvPr id="67" name="Shape 67"/>
         <p:cNvGrpSpPr/>
         <p:nvPr/>
       </p:nvGrpSpPr>
@@ -1226,7 +1231,7 @@
       </p:grpSpPr>
       <p:sp>
         <p:nvSpPr>
-          <p:cNvPr id="67" name="Google Shape;67;gc6f75fceb_0_5:notes"/>
+          <p:cNvPr id="68" name="Google Shape;68;gc6f75fceb_0_5:notes"/>
           <p:cNvSpPr/>
           <p:nvPr>
             <p:ph idx="2" type="sldImg"/>
@@ -1261,7 +1266,7 @@
       </p:sp>
       <p:sp>
         <p:nvSpPr>
-          <p:cNvPr id="68" name="Google Shape;68;gc6f75fceb_0_5:notes"/>
+          <p:cNvPr id="69" name="Google Shape;69;gc6f75fceb_0_5:notes"/>
           <p:cNvSpPr txBox="1"/>
           <p:nvPr>
             <p:ph idx="1" type="body"/>
@@ -1311,7 +1316,7 @@
   <p:cSld>
     <p:spTree>
       <p:nvGrpSpPr>
-        <p:cNvPr id="72" name="Shape 72"/>
+        <p:cNvPr id="74" name="Shape 74"/>
         <p:cNvGrpSpPr/>
         <p:nvPr/>
       </p:nvGrpSpPr>
@@ -1325,7 +1330,7 @@
       </p:grpSpPr>
       <p:sp>
         <p:nvSpPr>
-          <p:cNvPr id="73" name="Google Shape;73;gc6f75fceb_0_16:notes"/>
+          <p:cNvPr id="75" name="Google Shape;75;gc6f75fceb_0_16:notes"/>
           <p:cNvSpPr/>
           <p:nvPr>
             <p:ph idx="2" type="sldImg"/>
@@ -1360,7 +1365,7 @@
       </p:sp>
       <p:sp>
         <p:nvSpPr>
-          <p:cNvPr id="74" name="Google Shape;74;gc6f75fceb_0_16:notes"/>
+          <p:cNvPr id="76" name="Google Shape;76;gc6f75fceb_0_16:notes"/>
           <p:cNvSpPr txBox="1"/>
           <p:nvPr>
             <p:ph idx="1" type="body"/>
@@ -1410,7 +1415,7 @@
   <p:cSld>
     <p:spTree>
       <p:nvGrpSpPr>
-        <p:cNvPr id="81" name="Shape 81"/>
+        <p:cNvPr id="84" name="Shape 84"/>
         <p:cNvGrpSpPr/>
         <p:nvPr/>
       </p:nvGrpSpPr>
@@ -1424,7 +1429,7 @@
       </p:grpSpPr>
       <p:sp>
         <p:nvSpPr>
-          <p:cNvPr id="82" name="Google Shape;82;gc6f75fceb_0_10:notes"/>
+          <p:cNvPr id="85" name="Google Shape;85;gc6f75fceb_0_10:notes"/>
           <p:cNvSpPr/>
           <p:nvPr>
             <p:ph idx="2" type="sldImg"/>
@@ -1459,7 +1464,7 @@
       </p:sp>
       <p:sp>
         <p:nvSpPr>
-          <p:cNvPr id="83" name="Google Shape;83;gc6f75fceb_0_10:notes"/>
+          <p:cNvPr id="86" name="Google Shape;86;gc6f75fceb_0_10:notes"/>
           <p:cNvSpPr txBox="1"/>
           <p:nvPr>
             <p:ph idx="1" type="body"/>
@@ -1509,7 +1514,7 @@
   <p:cSld>
     <p:spTree>
       <p:nvGrpSpPr>
-        <p:cNvPr id="88" name="Shape 88"/>
+        <p:cNvPr id="92" name="Shape 92"/>
         <p:cNvGrpSpPr/>
         <p:nvPr/>
       </p:nvGrpSpPr>
@@ -1523,7 +1528,7 @@
       </p:grpSpPr>
       <p:sp>
         <p:nvSpPr>
-          <p:cNvPr id="89" name="Google Shape;89;gc6f75fceb_0_55:notes"/>
+          <p:cNvPr id="93" name="Google Shape;93;gc6f75fceb_0_55:notes"/>
           <p:cNvSpPr/>
           <p:nvPr>
             <p:ph idx="2" type="sldImg"/>
@@ -1558,7 +1563,7 @@
       </p:sp>
       <p:sp>
         <p:nvSpPr>
-          <p:cNvPr id="90" name="Google Shape;90;gc6f75fceb_0_55:notes"/>
+          <p:cNvPr id="94" name="Google Shape;94;gc6f75fceb_0_55:notes"/>
           <p:cNvSpPr txBox="1"/>
           <p:nvPr>
             <p:ph idx="1" type="body"/>
@@ -1608,7 +1613,7 @@
   <p:cSld>
     <p:spTree>
       <p:nvGrpSpPr>
-        <p:cNvPr id="95" name="Shape 95"/>
+        <p:cNvPr id="100" name="Shape 100"/>
         <p:cNvGrpSpPr/>
         <p:nvPr/>
       </p:nvGrpSpPr>
@@ -1622,7 +1627,7 @@
       </p:grpSpPr>
       <p:sp>
         <p:nvSpPr>
-          <p:cNvPr id="96" name="Google Shape;96;g29178b8c21e_1_27:notes"/>
+          <p:cNvPr id="101" name="Google Shape;101;g29178b8c21e_1_27:notes"/>
           <p:cNvSpPr/>
           <p:nvPr>
             <p:ph idx="2" type="sldImg"/>
@@ -1657,7 +1662,7 @@
       </p:sp>
       <p:sp>
         <p:nvSpPr>
-          <p:cNvPr id="97" name="Google Shape;97;g29178b8c21e_1_27:notes"/>
+          <p:cNvPr id="102" name="Google Shape;102;g29178b8c21e_1_27:notes"/>
           <p:cNvSpPr txBox="1"/>
           <p:nvPr>
             <p:ph idx="1" type="body"/>
@@ -1707,7 +1712,7 @@
   <p:cSld>
     <p:spTree>
       <p:nvGrpSpPr>
-        <p:cNvPr id="102" name="Shape 102"/>
+        <p:cNvPr id="108" name="Shape 108"/>
         <p:cNvGrpSpPr/>
         <p:nvPr/>
       </p:nvGrpSpPr>
@@ -1721,7 +1726,7 @@
       </p:grpSpPr>
       <p:sp>
         <p:nvSpPr>
-          <p:cNvPr id="103" name="Google Shape;103;g29178b8c21e_1_40:notes"/>
+          <p:cNvPr id="109" name="Google Shape;109;g29178b8c21e_1_40:notes"/>
           <p:cNvSpPr/>
           <p:nvPr>
             <p:ph idx="2" type="sldImg"/>
@@ -1756,7 +1761,7 @@
       </p:sp>
       <p:sp>
         <p:nvSpPr>
-          <p:cNvPr id="104" name="Google Shape;104;g29178b8c21e_1_40:notes"/>
+          <p:cNvPr id="110" name="Google Shape;110;g29178b8c21e_1_40:notes"/>
           <p:cNvSpPr txBox="1"/>
           <p:nvPr>
             <p:ph idx="1" type="body"/>
@@ -1806,7 +1811,7 @@
   <p:cSld>
     <p:spTree>
       <p:nvGrpSpPr>
-        <p:cNvPr id="109" name="Shape 109"/>
+        <p:cNvPr id="116" name="Shape 116"/>
         <p:cNvGrpSpPr/>
         <p:nvPr/>
       </p:nvGrpSpPr>
@@ -1820,7 +1825,7 @@
       </p:grpSpPr>
       <p:sp>
         <p:nvSpPr>
-          <p:cNvPr id="110" name="Google Shape;110;g29178b8c21e_1_47:notes"/>
+          <p:cNvPr id="117" name="Google Shape;117;g29178b8c21e_1_47:notes"/>
           <p:cNvSpPr/>
           <p:nvPr>
             <p:ph idx="2" type="sldImg"/>
@@ -1855,7 +1860,7 @@
       </p:sp>
       <p:sp>
         <p:nvSpPr>
-          <p:cNvPr id="111" name="Google Shape;111;g29178b8c21e_1_47:notes"/>
+          <p:cNvPr id="118" name="Google Shape;118;g29178b8c21e_1_47:notes"/>
           <p:cNvSpPr txBox="1"/>
           <p:nvPr>
             <p:ph idx="1" type="body"/>
@@ -1905,7 +1910,7 @@
   <p:cSld>
     <p:spTree>
       <p:nvGrpSpPr>
-        <p:cNvPr id="116" name="Shape 116"/>
+        <p:cNvPr id="125" name="Shape 125"/>
         <p:cNvGrpSpPr/>
         <p:nvPr/>
       </p:nvGrpSpPr>
@@ -1919,7 +1924,7 @@
       </p:grpSpPr>
       <p:sp>
         <p:nvSpPr>
-          <p:cNvPr id="117" name="Google Shape;117;g29178b8c21e_1_1:notes"/>
+          <p:cNvPr id="126" name="Google Shape;126;g29178b8c21e_1_1:notes"/>
           <p:cNvSpPr/>
           <p:nvPr>
             <p:ph idx="2" type="sldImg"/>
@@ -1954,7 +1959,7 @@
       </p:sp>
       <p:sp>
         <p:nvSpPr>
-          <p:cNvPr id="118" name="Google Shape;118;g29178b8c21e_1_1:notes"/>
+          <p:cNvPr id="127" name="Google Shape;127;g29178b8c21e_1_1:notes"/>
           <p:cNvSpPr txBox="1"/>
           <p:nvPr>
             <p:ph idx="1" type="body"/>
@@ -7576,6 +7581,85 @@
           </a:ln>
         </p:spPr>
       </p:pic>
+      <p:sp>
+        <p:nvSpPr>
+          <p:cNvPr id="66" name="Google Shape;66;p13"/>
+          <p:cNvSpPr txBox="1"/>
+          <p:nvPr/>
+        </p:nvSpPr>
+        <p:spPr>
+          <a:xfrm>
+            <a:off x="8386775" y="4599600"/>
+            <a:ext cx="609600" cy="543900"/>
+          </a:xfrm>
+          <a:prstGeom prst="rect">
+            <a:avLst/>
+          </a:prstGeom>
+          <a:noFill/>
+          <a:ln>
+            <a:noFill/>
+          </a:ln>
+        </p:spPr>
+        <p:txBody>
+          <a:bodyPr anchorCtr="0" anchor="t" bIns="91425" lIns="91425" spcFirstLastPara="1" rIns="91425" wrap="square" tIns="91425">
+            <a:noAutofit/>
+          </a:bodyPr>
+          <a:lstStyle/>
+          <a:p>
+            <a:pPr indent="0" lvl="0" marL="0" rtl="0" algn="l">
+              <a:spcBef>
+                <a:spcPts val="0"/>
+              </a:spcBef>
+              <a:spcAft>
+                <a:spcPts val="0"/>
+              </a:spcAft>
+              <a:buNone/>
+            </a:pPr>
+            <a:r>
+              <a:rPr b="1" lang="en" sz="2400">
+                <a:solidFill>
+                  <a:schemeClr val="dk1"/>
+                </a:solidFill>
+                <a:highlight>
+                  <a:srgbClr val="0B5394"/>
+                </a:highlight>
+                <a:latin typeface="Alexandria"/>
+                <a:ea typeface="Alexandria"/>
+                <a:cs typeface="Alexandria"/>
+                <a:sym typeface="Alexandria"/>
+              </a:rPr>
+              <a:t>01</a:t>
+            </a:r>
+            <a:r>
+              <a:rPr b="1" lang="en" sz="2400">
+                <a:solidFill>
+                  <a:schemeClr val="dk1"/>
+                </a:solidFill>
+                <a:highlight>
+                  <a:srgbClr val="0B5394"/>
+                </a:highlight>
+                <a:latin typeface="Alexandria"/>
+                <a:ea typeface="Alexandria"/>
+                <a:cs typeface="Alexandria"/>
+                <a:sym typeface="Alexandria"/>
+              </a:rPr>
+              <a:t>   </a:t>
+            </a:r>
+            <a:endParaRPr b="1" sz="2400">
+              <a:solidFill>
+                <a:schemeClr val="dk1"/>
+              </a:solidFill>
+              <a:highlight>
+                <a:srgbClr val="0B5394"/>
+              </a:highlight>
+              <a:latin typeface="Alexandria"/>
+              <a:ea typeface="Alexandria"/>
+              <a:cs typeface="Alexandria"/>
+              <a:sym typeface="Alexandria"/>
+            </a:endParaRPr>
+          </a:p>
+        </p:txBody>
+      </p:sp>
     </p:spTree>
   </p:cSld>
   <p:clrMapOvr>
@@ -7589,7 +7673,7 @@
   <p:cSld>
     <p:spTree>
       <p:nvGrpSpPr>
-        <p:cNvPr id="126" name="Shape 126"/>
+        <p:cNvPr id="136" name="Shape 136"/>
         <p:cNvGrpSpPr/>
         <p:nvPr/>
       </p:nvGrpSpPr>
@@ -7603,7 +7687,7 @@
       </p:grpSpPr>
       <p:sp>
         <p:nvSpPr>
-          <p:cNvPr id="127" name="Google Shape;127;p22"/>
+          <p:cNvPr id="137" name="Google Shape;137;p22"/>
           <p:cNvSpPr txBox="1"/>
           <p:nvPr>
             <p:ph type="title"/>
@@ -7671,7 +7755,7 @@
       </p:sp>
       <p:sp>
         <p:nvSpPr>
-          <p:cNvPr id="128" name="Google Shape;128;p22"/>
+          <p:cNvPr id="138" name="Google Shape;138;p22"/>
           <p:cNvSpPr txBox="1"/>
           <p:nvPr>
             <p:ph idx="1" type="body"/>
@@ -8193,6 +8277,85 @@
           </a:p>
         </p:txBody>
       </p:sp>
+      <p:sp>
+        <p:nvSpPr>
+          <p:cNvPr id="139" name="Google Shape;139;p22"/>
+          <p:cNvSpPr txBox="1"/>
+          <p:nvPr/>
+        </p:nvSpPr>
+        <p:spPr>
+          <a:xfrm>
+            <a:off x="8386775" y="4599600"/>
+            <a:ext cx="609600" cy="543900"/>
+          </a:xfrm>
+          <a:prstGeom prst="rect">
+            <a:avLst/>
+          </a:prstGeom>
+          <a:noFill/>
+          <a:ln>
+            <a:noFill/>
+          </a:ln>
+        </p:spPr>
+        <p:txBody>
+          <a:bodyPr anchorCtr="0" anchor="t" bIns="91425" lIns="91425" spcFirstLastPara="1" rIns="91425" wrap="square" tIns="91425">
+            <a:noAutofit/>
+          </a:bodyPr>
+          <a:lstStyle/>
+          <a:p>
+            <a:pPr indent="0" lvl="0" marL="0" rtl="0" algn="l">
+              <a:spcBef>
+                <a:spcPts val="0"/>
+              </a:spcBef>
+              <a:spcAft>
+                <a:spcPts val="0"/>
+              </a:spcAft>
+              <a:buNone/>
+            </a:pPr>
+            <a:r>
+              <a:rPr b="1" lang="en" sz="2400">
+                <a:solidFill>
+                  <a:schemeClr val="dk1"/>
+                </a:solidFill>
+                <a:highlight>
+                  <a:srgbClr val="0B5394"/>
+                </a:highlight>
+                <a:latin typeface="Alexandria"/>
+                <a:ea typeface="Alexandria"/>
+                <a:cs typeface="Alexandria"/>
+                <a:sym typeface="Alexandria"/>
+              </a:rPr>
+              <a:t>10</a:t>
+            </a:r>
+            <a:r>
+              <a:rPr b="1" lang="en" sz="2400">
+                <a:solidFill>
+                  <a:schemeClr val="dk1"/>
+                </a:solidFill>
+                <a:highlight>
+                  <a:srgbClr val="0B5394"/>
+                </a:highlight>
+                <a:latin typeface="Alexandria"/>
+                <a:ea typeface="Alexandria"/>
+                <a:cs typeface="Alexandria"/>
+                <a:sym typeface="Alexandria"/>
+              </a:rPr>
+              <a:t>   </a:t>
+            </a:r>
+            <a:endParaRPr b="1" sz="2400">
+              <a:solidFill>
+                <a:schemeClr val="dk1"/>
+              </a:solidFill>
+              <a:highlight>
+                <a:srgbClr val="0B5394"/>
+              </a:highlight>
+              <a:latin typeface="Alexandria"/>
+              <a:ea typeface="Alexandria"/>
+              <a:cs typeface="Alexandria"/>
+              <a:sym typeface="Alexandria"/>
+            </a:endParaRPr>
+          </a:p>
+        </p:txBody>
+      </p:sp>
     </p:spTree>
   </p:cSld>
   <p:clrMapOvr>
@@ -8206,7 +8369,7 @@
   <p:cSld>
     <p:spTree>
       <p:nvGrpSpPr>
-        <p:cNvPr id="132" name="Shape 132"/>
+        <p:cNvPr id="143" name="Shape 143"/>
         <p:cNvGrpSpPr/>
         <p:nvPr/>
       </p:nvGrpSpPr>
@@ -8220,7 +8383,7 @@
       </p:grpSpPr>
       <p:pic>
         <p:nvPicPr>
-          <p:cNvPr id="133" name="Google Shape;133;p23"/>
+          <p:cNvPr id="144" name="Google Shape;144;p23"/>
           <p:cNvPicPr preferRelativeResize="0"/>
           <p:nvPr/>
         </p:nvPicPr>
@@ -8245,6 +8408,85 @@
           </a:ln>
         </p:spPr>
       </p:pic>
+      <p:sp>
+        <p:nvSpPr>
+          <p:cNvPr id="145" name="Google Shape;145;p23"/>
+          <p:cNvSpPr txBox="1"/>
+          <p:nvPr/>
+        </p:nvSpPr>
+        <p:spPr>
+          <a:xfrm>
+            <a:off x="8386775" y="4599600"/>
+            <a:ext cx="609600" cy="543900"/>
+          </a:xfrm>
+          <a:prstGeom prst="rect">
+            <a:avLst/>
+          </a:prstGeom>
+          <a:noFill/>
+          <a:ln>
+            <a:noFill/>
+          </a:ln>
+        </p:spPr>
+        <p:txBody>
+          <a:bodyPr anchorCtr="0" anchor="t" bIns="91425" lIns="91425" spcFirstLastPara="1" rIns="91425" wrap="square" tIns="91425">
+            <a:noAutofit/>
+          </a:bodyPr>
+          <a:lstStyle/>
+          <a:p>
+            <a:pPr indent="0" lvl="0" marL="0" rtl="0" algn="l">
+              <a:spcBef>
+                <a:spcPts val="0"/>
+              </a:spcBef>
+              <a:spcAft>
+                <a:spcPts val="0"/>
+              </a:spcAft>
+              <a:buNone/>
+            </a:pPr>
+            <a:r>
+              <a:rPr b="1" lang="en" sz="2400">
+                <a:solidFill>
+                  <a:schemeClr val="dk1"/>
+                </a:solidFill>
+                <a:highlight>
+                  <a:srgbClr val="0B5394"/>
+                </a:highlight>
+                <a:latin typeface="Alexandria"/>
+                <a:ea typeface="Alexandria"/>
+                <a:cs typeface="Alexandria"/>
+                <a:sym typeface="Alexandria"/>
+              </a:rPr>
+              <a:t>1</a:t>
+            </a:r>
+            <a:r>
+              <a:rPr b="1" lang="en" sz="2400">
+                <a:solidFill>
+                  <a:schemeClr val="dk1"/>
+                </a:solidFill>
+                <a:highlight>
+                  <a:srgbClr val="0B5394"/>
+                </a:highlight>
+                <a:latin typeface="Alexandria"/>
+                <a:ea typeface="Alexandria"/>
+                <a:cs typeface="Alexandria"/>
+                <a:sym typeface="Alexandria"/>
+              </a:rPr>
+              <a:t>1   </a:t>
+            </a:r>
+            <a:endParaRPr b="1" sz="2400">
+              <a:solidFill>
+                <a:schemeClr val="dk1"/>
+              </a:solidFill>
+              <a:highlight>
+                <a:srgbClr val="0B5394"/>
+              </a:highlight>
+              <a:latin typeface="Alexandria"/>
+              <a:ea typeface="Alexandria"/>
+              <a:cs typeface="Alexandria"/>
+              <a:sym typeface="Alexandria"/>
+            </a:endParaRPr>
+          </a:p>
+        </p:txBody>
+      </p:sp>
     </p:spTree>
   </p:cSld>
   <p:clrMapOvr>
@@ -8258,7 +8500,7 @@
   <p:cSld>
     <p:spTree>
       <p:nvGrpSpPr>
-        <p:cNvPr id="137" name="Shape 137"/>
+        <p:cNvPr id="149" name="Shape 149"/>
         <p:cNvGrpSpPr/>
         <p:nvPr/>
       </p:nvGrpSpPr>
@@ -8272,7 +8514,7 @@
       </p:grpSpPr>
       <p:sp>
         <p:nvSpPr>
-          <p:cNvPr id="138" name="Google Shape;138;p24"/>
+          <p:cNvPr id="150" name="Google Shape;150;p24"/>
           <p:cNvSpPr txBox="1"/>
           <p:nvPr>
             <p:ph idx="4294967295" type="title"/>
@@ -8312,7 +8554,7 @@
       </p:sp>
       <p:cxnSp>
         <p:nvCxnSpPr>
-          <p:cNvPr id="139" name="Google Shape;139;p24"/>
+          <p:cNvPr id="151" name="Google Shape;151;p24"/>
           <p:cNvCxnSpPr/>
           <p:nvPr/>
         </p:nvCxnSpPr>
@@ -8338,7 +8580,7 @@
       </p:cxnSp>
       <p:sp>
         <p:nvSpPr>
-          <p:cNvPr id="140" name="Google Shape;140;p24"/>
+          <p:cNvPr id="152" name="Google Shape;152;p24"/>
           <p:cNvSpPr txBox="1"/>
           <p:nvPr>
             <p:ph idx="4294967295" type="body"/>
@@ -8609,7 +8851,7 @@
       </p:sp>
       <p:cxnSp>
         <p:nvCxnSpPr>
-          <p:cNvPr id="141" name="Google Shape;141;p24"/>
+          <p:cNvPr id="153" name="Google Shape;153;p24"/>
           <p:cNvCxnSpPr/>
           <p:nvPr/>
         </p:nvCxnSpPr>
@@ -8635,7 +8877,7 @@
       </p:cxnSp>
       <p:sp>
         <p:nvSpPr>
-          <p:cNvPr id="142" name="Google Shape;142;p24"/>
+          <p:cNvPr id="154" name="Google Shape;154;p24"/>
           <p:cNvSpPr txBox="1"/>
           <p:nvPr>
             <p:ph idx="4294967295" type="body"/>
@@ -8857,7 +9099,7 @@
       </p:sp>
       <p:pic>
         <p:nvPicPr>
-          <p:cNvPr id="143" name="Google Shape;143;p24"/>
+          <p:cNvPr id="155" name="Google Shape;155;p24"/>
           <p:cNvPicPr preferRelativeResize="0"/>
           <p:nvPr/>
         </p:nvPicPr>
@@ -8882,6 +9124,85 @@
           </a:ln>
         </p:spPr>
       </p:pic>
+      <p:sp>
+        <p:nvSpPr>
+          <p:cNvPr id="156" name="Google Shape;156;p24"/>
+          <p:cNvSpPr txBox="1"/>
+          <p:nvPr/>
+        </p:nvSpPr>
+        <p:spPr>
+          <a:xfrm>
+            <a:off x="8386775" y="4599600"/>
+            <a:ext cx="609600" cy="543900"/>
+          </a:xfrm>
+          <a:prstGeom prst="rect">
+            <a:avLst/>
+          </a:prstGeom>
+          <a:noFill/>
+          <a:ln>
+            <a:noFill/>
+          </a:ln>
+        </p:spPr>
+        <p:txBody>
+          <a:bodyPr anchorCtr="0" anchor="t" bIns="91425" lIns="91425" spcFirstLastPara="1" rIns="91425" wrap="square" tIns="91425">
+            <a:noAutofit/>
+          </a:bodyPr>
+          <a:lstStyle/>
+          <a:p>
+            <a:pPr indent="0" lvl="0" marL="0" rtl="0" algn="l">
+              <a:spcBef>
+                <a:spcPts val="0"/>
+              </a:spcBef>
+              <a:spcAft>
+                <a:spcPts val="0"/>
+              </a:spcAft>
+              <a:buNone/>
+            </a:pPr>
+            <a:r>
+              <a:rPr b="1" lang="en" sz="2400">
+                <a:solidFill>
+                  <a:schemeClr val="dk1"/>
+                </a:solidFill>
+                <a:highlight>
+                  <a:srgbClr val="0B5394"/>
+                </a:highlight>
+                <a:latin typeface="Alexandria"/>
+                <a:ea typeface="Alexandria"/>
+                <a:cs typeface="Alexandria"/>
+                <a:sym typeface="Alexandria"/>
+              </a:rPr>
+              <a:t>12</a:t>
+            </a:r>
+            <a:r>
+              <a:rPr b="1" lang="en" sz="2400">
+                <a:solidFill>
+                  <a:schemeClr val="dk1"/>
+                </a:solidFill>
+                <a:highlight>
+                  <a:srgbClr val="0B5394"/>
+                </a:highlight>
+                <a:latin typeface="Alexandria"/>
+                <a:ea typeface="Alexandria"/>
+                <a:cs typeface="Alexandria"/>
+                <a:sym typeface="Alexandria"/>
+              </a:rPr>
+              <a:t>   </a:t>
+            </a:r>
+            <a:endParaRPr b="1" sz="2400">
+              <a:solidFill>
+                <a:schemeClr val="dk1"/>
+              </a:solidFill>
+              <a:highlight>
+                <a:srgbClr val="0B5394"/>
+              </a:highlight>
+              <a:latin typeface="Alexandria"/>
+              <a:ea typeface="Alexandria"/>
+              <a:cs typeface="Alexandria"/>
+              <a:sym typeface="Alexandria"/>
+            </a:endParaRPr>
+          </a:p>
+        </p:txBody>
+      </p:sp>
     </p:spTree>
   </p:cSld>
   <p:clrMapOvr>
@@ -8895,7 +9216,7 @@
   <p:cSld>
     <p:spTree>
       <p:nvGrpSpPr>
-        <p:cNvPr id="147" name="Shape 147"/>
+        <p:cNvPr id="160" name="Shape 160"/>
         <p:cNvGrpSpPr/>
         <p:nvPr/>
       </p:nvGrpSpPr>
@@ -8909,7 +9230,7 @@
       </p:grpSpPr>
       <p:sp>
         <p:nvSpPr>
-          <p:cNvPr id="148" name="Google Shape;148;p25"/>
+          <p:cNvPr id="161" name="Google Shape;161;p25"/>
           <p:cNvSpPr txBox="1"/>
           <p:nvPr>
             <p:ph type="title"/>
@@ -8967,6 +9288,85 @@
           </a:p>
         </p:txBody>
       </p:sp>
+      <p:sp>
+        <p:nvSpPr>
+          <p:cNvPr id="162" name="Google Shape;162;p25"/>
+          <p:cNvSpPr txBox="1"/>
+          <p:nvPr/>
+        </p:nvSpPr>
+        <p:spPr>
+          <a:xfrm>
+            <a:off x="8386775" y="4599600"/>
+            <a:ext cx="609600" cy="543900"/>
+          </a:xfrm>
+          <a:prstGeom prst="rect">
+            <a:avLst/>
+          </a:prstGeom>
+          <a:noFill/>
+          <a:ln>
+            <a:noFill/>
+          </a:ln>
+        </p:spPr>
+        <p:txBody>
+          <a:bodyPr anchorCtr="0" anchor="t" bIns="91425" lIns="91425" spcFirstLastPara="1" rIns="91425" wrap="square" tIns="91425">
+            <a:noAutofit/>
+          </a:bodyPr>
+          <a:lstStyle/>
+          <a:p>
+            <a:pPr indent="0" lvl="0" marL="0" rtl="0" algn="l">
+              <a:spcBef>
+                <a:spcPts val="0"/>
+              </a:spcBef>
+              <a:spcAft>
+                <a:spcPts val="0"/>
+              </a:spcAft>
+              <a:buNone/>
+            </a:pPr>
+            <a:r>
+              <a:rPr b="1" lang="en" sz="2400">
+                <a:solidFill>
+                  <a:schemeClr val="dk1"/>
+                </a:solidFill>
+                <a:highlight>
+                  <a:srgbClr val="0B5394"/>
+                </a:highlight>
+                <a:latin typeface="Alexandria"/>
+                <a:ea typeface="Alexandria"/>
+                <a:cs typeface="Alexandria"/>
+                <a:sym typeface="Alexandria"/>
+              </a:rPr>
+              <a:t>13</a:t>
+            </a:r>
+            <a:r>
+              <a:rPr b="1" lang="en" sz="2400">
+                <a:solidFill>
+                  <a:schemeClr val="dk1"/>
+                </a:solidFill>
+                <a:highlight>
+                  <a:srgbClr val="0B5394"/>
+                </a:highlight>
+                <a:latin typeface="Alexandria"/>
+                <a:ea typeface="Alexandria"/>
+                <a:cs typeface="Alexandria"/>
+                <a:sym typeface="Alexandria"/>
+              </a:rPr>
+              <a:t>   </a:t>
+            </a:r>
+            <a:endParaRPr b="1" sz="2400">
+              <a:solidFill>
+                <a:schemeClr val="dk1"/>
+              </a:solidFill>
+              <a:highlight>
+                <a:srgbClr val="0B5394"/>
+              </a:highlight>
+              <a:latin typeface="Alexandria"/>
+              <a:ea typeface="Alexandria"/>
+              <a:cs typeface="Alexandria"/>
+              <a:sym typeface="Alexandria"/>
+            </a:endParaRPr>
+          </a:p>
+        </p:txBody>
+      </p:sp>
     </p:spTree>
   </p:cSld>
   <p:clrMapOvr>
@@ -8980,7 +9380,7 @@
   <p:cSld>
     <p:spTree>
       <p:nvGrpSpPr>
-        <p:cNvPr id="69" name="Shape 69"/>
+        <p:cNvPr id="70" name="Shape 70"/>
         <p:cNvGrpSpPr/>
         <p:nvPr/>
       </p:nvGrpSpPr>
@@ -8994,7 +9394,7 @@
       </p:grpSpPr>
       <p:sp>
         <p:nvSpPr>
-          <p:cNvPr id="70" name="Google Shape;70;p14"/>
+          <p:cNvPr id="71" name="Google Shape;71;p14"/>
           <p:cNvSpPr txBox="1"/>
           <p:nvPr>
             <p:ph idx="2" type="body"/>
@@ -9230,7 +9630,7 @@
       </p:sp>
       <p:sp>
         <p:nvSpPr>
-          <p:cNvPr id="71" name="Google Shape;71;p14"/>
+          <p:cNvPr id="72" name="Google Shape;72;p14"/>
           <p:cNvSpPr txBox="1"/>
           <p:nvPr>
             <p:ph type="title"/>
@@ -9268,6 +9668,70 @@
           </a:p>
         </p:txBody>
       </p:sp>
+      <p:sp>
+        <p:nvSpPr>
+          <p:cNvPr id="73" name="Google Shape;73;p14"/>
+          <p:cNvSpPr txBox="1"/>
+          <p:nvPr/>
+        </p:nvSpPr>
+        <p:spPr>
+          <a:xfrm>
+            <a:off x="8386775" y="4599600"/>
+            <a:ext cx="609600" cy="543900"/>
+          </a:xfrm>
+          <a:prstGeom prst="rect">
+            <a:avLst/>
+          </a:prstGeom>
+          <a:noFill/>
+          <a:ln>
+            <a:noFill/>
+          </a:ln>
+        </p:spPr>
+        <p:txBody>
+          <a:bodyPr anchorCtr="0" anchor="t" bIns="91425" lIns="91425" spcFirstLastPara="1" rIns="91425" wrap="square" tIns="91425">
+            <a:noAutofit/>
+          </a:bodyPr>
+          <a:lstStyle/>
+          <a:p>
+            <a:pPr indent="0" lvl="0" marL="0" rtl="0" algn="l">
+              <a:spcBef>
+                <a:spcPts val="0"/>
+              </a:spcBef>
+              <a:spcAft>
+                <a:spcPts val="0"/>
+              </a:spcAft>
+              <a:buNone/>
+            </a:pPr>
+            <a:r>
+              <a:rPr b="1" lang="en" sz="2400">
+                <a:solidFill>
+                  <a:schemeClr val="dk1"/>
+                </a:solidFill>
+                <a:highlight>
+                  <a:srgbClr val="0B5394"/>
+                </a:highlight>
+                <a:latin typeface="Alexandria"/>
+                <a:ea typeface="Alexandria"/>
+                <a:cs typeface="Alexandria"/>
+                <a:sym typeface="Alexandria"/>
+              </a:rPr>
+              <a:t>02   </a:t>
+            </a:r>
+            <a:endParaRPr b="1" sz="2400">
+              <a:solidFill>
+                <a:schemeClr val="dk1"/>
+              </a:solidFill>
+              <a:highlight>
+                <a:srgbClr val="0B5394"/>
+              </a:highlight>
+              <a:latin typeface="Alexandria"/>
+              <a:ea typeface="Alexandria"/>
+              <a:cs typeface="Alexandria"/>
+              <a:sym typeface="Alexandria"/>
+            </a:endParaRPr>
+          </a:p>
+        </p:txBody>
+      </p:sp>
     </p:spTree>
   </p:cSld>
   <p:clrMapOvr>
@@ -9281,7 +9745,7 @@
   <p:cSld>
     <p:spTree>
       <p:nvGrpSpPr>
-        <p:cNvPr id="75" name="Shape 75"/>
+        <p:cNvPr id="77" name="Shape 77"/>
         <p:cNvGrpSpPr/>
         <p:nvPr/>
       </p:nvGrpSpPr>
@@ -9295,7 +9759,7 @@
       </p:grpSpPr>
       <p:sp>
         <p:nvSpPr>
-          <p:cNvPr id="76" name="Google Shape;76;p15"/>
+          <p:cNvPr id="78" name="Google Shape;78;p15"/>
           <p:cNvSpPr txBox="1"/>
           <p:nvPr>
             <p:ph idx="4294967295" type="title"/>
@@ -9335,7 +9799,7 @@
       </p:sp>
       <p:cxnSp>
         <p:nvCxnSpPr>
-          <p:cNvPr id="77" name="Google Shape;77;p15"/>
+          <p:cNvPr id="79" name="Google Shape;79;p15"/>
           <p:cNvCxnSpPr/>
           <p:nvPr/>
         </p:nvCxnSpPr>
@@ -9361,7 +9825,7 @@
       </p:cxnSp>
       <p:cxnSp>
         <p:nvCxnSpPr>
-          <p:cNvPr id="78" name="Google Shape;78;p15"/>
+          <p:cNvPr id="80" name="Google Shape;80;p15"/>
           <p:cNvCxnSpPr/>
           <p:nvPr/>
         </p:nvCxnSpPr>
@@ -9387,7 +9851,7 @@
       </p:cxnSp>
       <p:sp>
         <p:nvSpPr>
-          <p:cNvPr id="79" name="Google Shape;79;p15"/>
+          <p:cNvPr id="81" name="Google Shape;81;p15"/>
           <p:cNvSpPr txBox="1"/>
           <p:nvPr>
             <p:ph idx="4294967295" type="body"/>
@@ -9628,7 +10092,7 @@
       </p:sp>
       <p:pic>
         <p:nvPicPr>
-          <p:cNvPr id="80" name="Google Shape;80;p15"/>
+          <p:cNvPr id="82" name="Google Shape;82;p15"/>
           <p:cNvPicPr preferRelativeResize="0"/>
           <p:nvPr/>
         </p:nvPicPr>
@@ -9641,7 +10105,7 @@
         </p:blipFill>
         <p:spPr>
           <a:xfrm>
-            <a:off x="6038865" y="1929800"/>
+            <a:off x="5919040" y="1924325"/>
             <a:ext cx="2560986" cy="2753101"/>
           </a:xfrm>
           <a:prstGeom prst="rect">
@@ -9653,6 +10117,70 @@
           </a:ln>
         </p:spPr>
       </p:pic>
+      <p:sp>
+        <p:nvSpPr>
+          <p:cNvPr id="83" name="Google Shape;83;p15"/>
+          <p:cNvSpPr txBox="1"/>
+          <p:nvPr/>
+        </p:nvSpPr>
+        <p:spPr>
+          <a:xfrm>
+            <a:off x="8386775" y="4599600"/>
+            <a:ext cx="609600" cy="543900"/>
+          </a:xfrm>
+          <a:prstGeom prst="rect">
+            <a:avLst/>
+          </a:prstGeom>
+          <a:noFill/>
+          <a:ln>
+            <a:noFill/>
+          </a:ln>
+        </p:spPr>
+        <p:txBody>
+          <a:bodyPr anchorCtr="0" anchor="t" bIns="91425" lIns="91425" spcFirstLastPara="1" rIns="91425" wrap="square" tIns="91425">
+            <a:noAutofit/>
+          </a:bodyPr>
+          <a:lstStyle/>
+          <a:p>
+            <a:pPr indent="0" lvl="0" marL="0" rtl="0" algn="l">
+              <a:spcBef>
+                <a:spcPts val="0"/>
+              </a:spcBef>
+              <a:spcAft>
+                <a:spcPts val="0"/>
+              </a:spcAft>
+              <a:buNone/>
+            </a:pPr>
+            <a:r>
+              <a:rPr b="1" lang="en" sz="2400">
+                <a:solidFill>
+                  <a:schemeClr val="dk1"/>
+                </a:solidFill>
+                <a:highlight>
+                  <a:srgbClr val="0B5394"/>
+                </a:highlight>
+                <a:latin typeface="Alexandria"/>
+                <a:ea typeface="Alexandria"/>
+                <a:cs typeface="Alexandria"/>
+                <a:sym typeface="Alexandria"/>
+              </a:rPr>
+              <a:t>03   </a:t>
+            </a:r>
+            <a:endParaRPr b="1" sz="2400">
+              <a:solidFill>
+                <a:schemeClr val="dk1"/>
+              </a:solidFill>
+              <a:highlight>
+                <a:srgbClr val="0B5394"/>
+              </a:highlight>
+              <a:latin typeface="Alexandria"/>
+              <a:ea typeface="Alexandria"/>
+              <a:cs typeface="Alexandria"/>
+              <a:sym typeface="Alexandria"/>
+            </a:endParaRPr>
+          </a:p>
+        </p:txBody>
+      </p:sp>
     </p:spTree>
   </p:cSld>
   <p:clrMapOvr>
@@ -9666,7 +10194,7 @@
   <p:cSld>
     <p:spTree>
       <p:nvGrpSpPr>
-        <p:cNvPr id="84" name="Shape 84"/>
+        <p:cNvPr id="87" name="Shape 87"/>
         <p:cNvGrpSpPr/>
         <p:nvPr/>
       </p:nvGrpSpPr>
@@ -9680,7 +10208,7 @@
       </p:grpSpPr>
       <p:sp>
         <p:nvSpPr>
-          <p:cNvPr id="85" name="Google Shape;85;p16"/>
+          <p:cNvPr id="88" name="Google Shape;88;p16"/>
           <p:cNvSpPr txBox="1"/>
           <p:nvPr>
             <p:ph type="title"/>
@@ -9720,7 +10248,7 @@
       </p:sp>
       <p:sp>
         <p:nvSpPr>
-          <p:cNvPr id="86" name="Google Shape;86;p16"/>
+          <p:cNvPr id="89" name="Google Shape;89;p16"/>
           <p:cNvSpPr txBox="1"/>
           <p:nvPr>
             <p:ph idx="1" type="body"/>
@@ -9973,7 +10501,7 @@
       </p:sp>
       <p:pic>
         <p:nvPicPr>
-          <p:cNvPr id="87" name="Google Shape;87;p16"/>
+          <p:cNvPr id="90" name="Google Shape;90;p16"/>
           <p:cNvPicPr preferRelativeResize="0"/>
           <p:nvPr/>
         </p:nvPicPr>
@@ -9999,6 +10527,70 @@
           </a:ln>
         </p:spPr>
       </p:pic>
+      <p:sp>
+        <p:nvSpPr>
+          <p:cNvPr id="91" name="Google Shape;91;p16"/>
+          <p:cNvSpPr txBox="1"/>
+          <p:nvPr/>
+        </p:nvSpPr>
+        <p:spPr>
+          <a:xfrm>
+            <a:off x="8386775" y="4599600"/>
+            <a:ext cx="609600" cy="543900"/>
+          </a:xfrm>
+          <a:prstGeom prst="rect">
+            <a:avLst/>
+          </a:prstGeom>
+          <a:noFill/>
+          <a:ln>
+            <a:noFill/>
+          </a:ln>
+        </p:spPr>
+        <p:txBody>
+          <a:bodyPr anchorCtr="0" anchor="t" bIns="91425" lIns="91425" spcFirstLastPara="1" rIns="91425" wrap="square" tIns="91425">
+            <a:noAutofit/>
+          </a:bodyPr>
+          <a:lstStyle/>
+          <a:p>
+            <a:pPr indent="0" lvl="0" marL="0" rtl="0" algn="l">
+              <a:spcBef>
+                <a:spcPts val="0"/>
+              </a:spcBef>
+              <a:spcAft>
+                <a:spcPts val="0"/>
+              </a:spcAft>
+              <a:buNone/>
+            </a:pPr>
+            <a:r>
+              <a:rPr b="1" lang="en" sz="2400">
+                <a:solidFill>
+                  <a:schemeClr val="dk1"/>
+                </a:solidFill>
+                <a:highlight>
+                  <a:srgbClr val="0B5394"/>
+                </a:highlight>
+                <a:latin typeface="Alexandria"/>
+                <a:ea typeface="Alexandria"/>
+                <a:cs typeface="Alexandria"/>
+                <a:sym typeface="Alexandria"/>
+              </a:rPr>
+              <a:t>04   </a:t>
+            </a:r>
+            <a:endParaRPr b="1" sz="2400">
+              <a:solidFill>
+                <a:schemeClr val="dk1"/>
+              </a:solidFill>
+              <a:highlight>
+                <a:srgbClr val="0B5394"/>
+              </a:highlight>
+              <a:latin typeface="Alexandria"/>
+              <a:ea typeface="Alexandria"/>
+              <a:cs typeface="Alexandria"/>
+              <a:sym typeface="Alexandria"/>
+            </a:endParaRPr>
+          </a:p>
+        </p:txBody>
+      </p:sp>
     </p:spTree>
   </p:cSld>
   <p:clrMapOvr>
@@ -10038,7 +10630,7 @@
                                           </p:stCondLst>
                                         </p:cTn>
                                         <p:tgtEl>
-                                          <p:spTgt spid="87"/>
+                                          <p:spTgt spid="90"/>
                                         </p:tgtEl>
                                         <p:attrNameLst>
                                           <p:attrName>style.visibility</p:attrName>
@@ -10083,7 +10675,7 @@
                                           </p:stCondLst>
                                         </p:cTn>
                                         <p:tgtEl>
-                                          <p:spTgt spid="87"/>
+                                          <p:spTgt spid="90"/>
                                         </p:tgtEl>
                                         <p:attrNameLst>
                                           <p:attrName>style.visibility</p:attrName>
@@ -10132,7 +10724,7 @@
   <p:cSld>
     <p:spTree>
       <p:nvGrpSpPr>
-        <p:cNvPr id="91" name="Shape 91"/>
+        <p:cNvPr id="95" name="Shape 95"/>
         <p:cNvGrpSpPr/>
         <p:nvPr/>
       </p:nvGrpSpPr>
@@ -10146,7 +10738,7 @@
       </p:grpSpPr>
       <p:sp>
         <p:nvSpPr>
-          <p:cNvPr id="92" name="Google Shape;92;p17"/>
+          <p:cNvPr id="96" name="Google Shape;96;p17"/>
           <p:cNvSpPr txBox="1"/>
           <p:nvPr>
             <p:ph type="title"/>
@@ -10476,7 +11068,7 @@
       </p:sp>
       <p:sp>
         <p:nvSpPr>
-          <p:cNvPr id="93" name="Google Shape;93;p17"/>
+          <p:cNvPr id="97" name="Google Shape;97;p17"/>
           <p:cNvSpPr txBox="1"/>
           <p:nvPr>
             <p:ph type="title"/>
@@ -10772,7 +11364,7 @@
       </p:sp>
       <p:sp>
         <p:nvSpPr>
-          <p:cNvPr id="94" name="Google Shape;94;p17"/>
+          <p:cNvPr id="98" name="Google Shape;98;p17"/>
           <p:cNvSpPr txBox="1"/>
           <p:nvPr>
             <p:ph type="title"/>
@@ -10810,6 +11402,70 @@
           </a:p>
         </p:txBody>
       </p:sp>
+      <p:sp>
+        <p:nvSpPr>
+          <p:cNvPr id="99" name="Google Shape;99;p17"/>
+          <p:cNvSpPr txBox="1"/>
+          <p:nvPr/>
+        </p:nvSpPr>
+        <p:spPr>
+          <a:xfrm>
+            <a:off x="8386775" y="4599600"/>
+            <a:ext cx="609600" cy="543900"/>
+          </a:xfrm>
+          <a:prstGeom prst="rect">
+            <a:avLst/>
+          </a:prstGeom>
+          <a:noFill/>
+          <a:ln>
+            <a:noFill/>
+          </a:ln>
+        </p:spPr>
+        <p:txBody>
+          <a:bodyPr anchorCtr="0" anchor="t" bIns="91425" lIns="91425" spcFirstLastPara="1" rIns="91425" wrap="square" tIns="91425">
+            <a:noAutofit/>
+          </a:bodyPr>
+          <a:lstStyle/>
+          <a:p>
+            <a:pPr indent="0" lvl="0" marL="0" rtl="0" algn="l">
+              <a:spcBef>
+                <a:spcPts val="0"/>
+              </a:spcBef>
+              <a:spcAft>
+                <a:spcPts val="0"/>
+              </a:spcAft>
+              <a:buNone/>
+            </a:pPr>
+            <a:r>
+              <a:rPr b="1" lang="en" sz="2400">
+                <a:solidFill>
+                  <a:schemeClr val="dk1"/>
+                </a:solidFill>
+                <a:highlight>
+                  <a:srgbClr val="0B5394"/>
+                </a:highlight>
+                <a:latin typeface="Alexandria"/>
+                <a:ea typeface="Alexandria"/>
+                <a:cs typeface="Alexandria"/>
+                <a:sym typeface="Alexandria"/>
+              </a:rPr>
+              <a:t>05   </a:t>
+            </a:r>
+            <a:endParaRPr b="1" sz="2400">
+              <a:solidFill>
+                <a:schemeClr val="dk1"/>
+              </a:solidFill>
+              <a:highlight>
+                <a:srgbClr val="0B5394"/>
+              </a:highlight>
+              <a:latin typeface="Alexandria"/>
+              <a:ea typeface="Alexandria"/>
+              <a:cs typeface="Alexandria"/>
+              <a:sym typeface="Alexandria"/>
+            </a:endParaRPr>
+          </a:p>
+        </p:txBody>
+      </p:sp>
     </p:spTree>
   </p:cSld>
   <p:clrMapOvr>
@@ -10823,7 +11479,7 @@
   <p:cSld>
     <p:spTree>
       <p:nvGrpSpPr>
-        <p:cNvPr id="98" name="Shape 98"/>
+        <p:cNvPr id="103" name="Shape 103"/>
         <p:cNvGrpSpPr/>
         <p:nvPr/>
       </p:nvGrpSpPr>
@@ -10837,7 +11493,7 @@
       </p:grpSpPr>
       <p:sp>
         <p:nvSpPr>
-          <p:cNvPr id="99" name="Google Shape;99;p18"/>
+          <p:cNvPr id="104" name="Google Shape;104;p18"/>
           <p:cNvSpPr txBox="1"/>
           <p:nvPr>
             <p:ph type="title"/>
@@ -10877,7 +11533,7 @@
       </p:sp>
       <p:sp>
         <p:nvSpPr>
-          <p:cNvPr id="100" name="Google Shape;100;p18"/>
+          <p:cNvPr id="105" name="Google Shape;105;p18"/>
           <p:cNvSpPr txBox="1"/>
           <p:nvPr>
             <p:ph idx="1" type="body"/>
@@ -11217,7 +11873,7 @@
       </p:sp>
       <p:pic>
         <p:nvPicPr>
-          <p:cNvPr id="101" name="Google Shape;101;p18"/>
+          <p:cNvPr id="106" name="Google Shape;106;p18"/>
           <p:cNvPicPr preferRelativeResize="0"/>
           <p:nvPr/>
         </p:nvPicPr>
@@ -11243,6 +11899,70 @@
           </a:ln>
         </p:spPr>
       </p:pic>
+      <p:sp>
+        <p:nvSpPr>
+          <p:cNvPr id="107" name="Google Shape;107;p18"/>
+          <p:cNvSpPr txBox="1"/>
+          <p:nvPr/>
+        </p:nvSpPr>
+        <p:spPr>
+          <a:xfrm>
+            <a:off x="8386775" y="4599600"/>
+            <a:ext cx="609600" cy="543900"/>
+          </a:xfrm>
+          <a:prstGeom prst="rect">
+            <a:avLst/>
+          </a:prstGeom>
+          <a:noFill/>
+          <a:ln>
+            <a:noFill/>
+          </a:ln>
+        </p:spPr>
+        <p:txBody>
+          <a:bodyPr anchorCtr="0" anchor="t" bIns="91425" lIns="91425" spcFirstLastPara="1" rIns="91425" wrap="square" tIns="91425">
+            <a:noAutofit/>
+          </a:bodyPr>
+          <a:lstStyle/>
+          <a:p>
+            <a:pPr indent="0" lvl="0" marL="0" rtl="0" algn="l">
+              <a:spcBef>
+                <a:spcPts val="0"/>
+              </a:spcBef>
+              <a:spcAft>
+                <a:spcPts val="0"/>
+              </a:spcAft>
+              <a:buNone/>
+            </a:pPr>
+            <a:r>
+              <a:rPr b="1" lang="en" sz="2400">
+                <a:solidFill>
+                  <a:schemeClr val="dk1"/>
+                </a:solidFill>
+                <a:highlight>
+                  <a:srgbClr val="0B5394"/>
+                </a:highlight>
+                <a:latin typeface="Alexandria"/>
+                <a:ea typeface="Alexandria"/>
+                <a:cs typeface="Alexandria"/>
+                <a:sym typeface="Alexandria"/>
+              </a:rPr>
+              <a:t>06   </a:t>
+            </a:r>
+            <a:endParaRPr b="1" sz="2400">
+              <a:solidFill>
+                <a:schemeClr val="dk1"/>
+              </a:solidFill>
+              <a:highlight>
+                <a:srgbClr val="0B5394"/>
+              </a:highlight>
+              <a:latin typeface="Alexandria"/>
+              <a:ea typeface="Alexandria"/>
+              <a:cs typeface="Alexandria"/>
+              <a:sym typeface="Alexandria"/>
+            </a:endParaRPr>
+          </a:p>
+        </p:txBody>
+      </p:sp>
     </p:spTree>
   </p:cSld>
   <p:clrMapOvr>
@@ -11256,7 +11976,7 @@
   <p:cSld>
     <p:spTree>
       <p:nvGrpSpPr>
-        <p:cNvPr id="105" name="Shape 105"/>
+        <p:cNvPr id="111" name="Shape 111"/>
         <p:cNvGrpSpPr/>
         <p:nvPr/>
       </p:nvGrpSpPr>
@@ -11270,7 +11990,7 @@
       </p:grpSpPr>
       <p:sp>
         <p:nvSpPr>
-          <p:cNvPr id="106" name="Google Shape;106;p19"/>
+          <p:cNvPr id="112" name="Google Shape;112;p19"/>
           <p:cNvSpPr txBox="1"/>
           <p:nvPr>
             <p:ph type="title"/>
@@ -11310,7 +12030,7 @@
       </p:sp>
       <p:sp>
         <p:nvSpPr>
-          <p:cNvPr id="107" name="Google Shape;107;p19"/>
+          <p:cNvPr id="113" name="Google Shape;113;p19"/>
           <p:cNvSpPr txBox="1"/>
           <p:nvPr>
             <p:ph idx="1" type="body"/>
@@ -11695,7 +12415,7 @@
       </p:sp>
       <p:pic>
         <p:nvPicPr>
-          <p:cNvPr id="108" name="Google Shape;108;p19"/>
+          <p:cNvPr id="114" name="Google Shape;114;p19"/>
           <p:cNvPicPr preferRelativeResize="0"/>
           <p:nvPr/>
         </p:nvPicPr>
@@ -11720,6 +12440,70 @@
           </a:ln>
         </p:spPr>
       </p:pic>
+      <p:sp>
+        <p:nvSpPr>
+          <p:cNvPr id="115" name="Google Shape;115;p19"/>
+          <p:cNvSpPr txBox="1"/>
+          <p:nvPr/>
+        </p:nvSpPr>
+        <p:spPr>
+          <a:xfrm>
+            <a:off x="8386775" y="4599600"/>
+            <a:ext cx="609600" cy="543900"/>
+          </a:xfrm>
+          <a:prstGeom prst="rect">
+            <a:avLst/>
+          </a:prstGeom>
+          <a:noFill/>
+          <a:ln>
+            <a:noFill/>
+          </a:ln>
+        </p:spPr>
+        <p:txBody>
+          <a:bodyPr anchorCtr="0" anchor="t" bIns="91425" lIns="91425" spcFirstLastPara="1" rIns="91425" wrap="square" tIns="91425">
+            <a:noAutofit/>
+          </a:bodyPr>
+          <a:lstStyle/>
+          <a:p>
+            <a:pPr indent="0" lvl="0" marL="0" rtl="0" algn="l">
+              <a:spcBef>
+                <a:spcPts val="0"/>
+              </a:spcBef>
+              <a:spcAft>
+                <a:spcPts val="0"/>
+              </a:spcAft>
+              <a:buNone/>
+            </a:pPr>
+            <a:r>
+              <a:rPr b="1" lang="en" sz="2400">
+                <a:solidFill>
+                  <a:schemeClr val="dk1"/>
+                </a:solidFill>
+                <a:highlight>
+                  <a:srgbClr val="0B5394"/>
+                </a:highlight>
+                <a:latin typeface="Alexandria"/>
+                <a:ea typeface="Alexandria"/>
+                <a:cs typeface="Alexandria"/>
+                <a:sym typeface="Alexandria"/>
+              </a:rPr>
+              <a:t>07   </a:t>
+            </a:r>
+            <a:endParaRPr b="1" sz="2400">
+              <a:solidFill>
+                <a:schemeClr val="dk1"/>
+              </a:solidFill>
+              <a:highlight>
+                <a:srgbClr val="0B5394"/>
+              </a:highlight>
+              <a:latin typeface="Alexandria"/>
+              <a:ea typeface="Alexandria"/>
+              <a:cs typeface="Alexandria"/>
+              <a:sym typeface="Alexandria"/>
+            </a:endParaRPr>
+          </a:p>
+        </p:txBody>
+      </p:sp>
     </p:spTree>
   </p:cSld>
   <p:clrMapOvr>
@@ -11733,7 +12517,7 @@
   <p:cSld>
     <p:spTree>
       <p:nvGrpSpPr>
-        <p:cNvPr id="112" name="Shape 112"/>
+        <p:cNvPr id="119" name="Shape 119"/>
         <p:cNvGrpSpPr/>
         <p:nvPr/>
       </p:nvGrpSpPr>
@@ -11747,7 +12531,7 @@
       </p:grpSpPr>
       <p:sp>
         <p:nvSpPr>
-          <p:cNvPr id="113" name="Google Shape;113;p20"/>
+          <p:cNvPr id="120" name="Google Shape;120;p20"/>
           <p:cNvSpPr txBox="1"/>
           <p:nvPr>
             <p:ph type="title"/>
@@ -11787,7 +12571,7 @@
       </p:sp>
       <p:sp>
         <p:nvSpPr>
-          <p:cNvPr id="114" name="Google Shape;114;p20"/>
+          <p:cNvPr id="121" name="Google Shape;121;p20"/>
           <p:cNvSpPr txBox="1"/>
           <p:nvPr>
             <p:ph idx="1" type="body"/>
@@ -11795,7 +12579,7 @@
         </p:nvSpPr>
         <p:spPr>
           <a:xfrm>
-            <a:off x="205175" y="1480700"/>
+            <a:off x="128975" y="1252100"/>
             <a:ext cx="6171600" cy="3242400"/>
           </a:xfrm>
           <a:prstGeom prst="rect">
@@ -11808,7 +12592,7 @@
           </a:bodyPr>
           <a:lstStyle/>
           <a:p>
-            <a:pPr indent="-317500" lvl="0" marL="457200" rtl="0" algn="l">
+            <a:pPr indent="-298450" lvl="0" marL="457200" rtl="0" algn="l">
               <a:spcBef>
                 <a:spcPts val="0"/>
               </a:spcBef>
@@ -11818,17 +12602,17 @@
               <a:buClr>
                 <a:schemeClr val="dk1"/>
               </a:buClr>
-              <a:buSzPts val="1400"/>
+              <a:buSzPts val="1100"/>
               <a:buChar char="●"/>
             </a:pPr>
             <a:r>
-              <a:rPr lang="en" sz="1300"/>
+              <a:rPr lang="en" sz="1000"/>
               <a:t>Transformer in NLP</a:t>
             </a:r>
-            <a:endParaRPr sz="1300"/>
-          </a:p>
-          <a:p>
-            <a:pPr indent="-317500" lvl="1" marL="914400" rtl="0" algn="l">
+            <a:endParaRPr sz="1000"/>
+          </a:p>
+          <a:p>
+            <a:pPr indent="-298450" lvl="1" marL="914400" rtl="0" algn="l">
               <a:spcBef>
                 <a:spcPts val="0"/>
               </a:spcBef>
@@ -11838,32 +12622,17 @@
               <a:buClr>
                 <a:schemeClr val="dk1"/>
               </a:buClr>
-              <a:buSzPts val="1400"/>
+              <a:buSzPts val="1100"/>
               <a:buChar char="●"/>
             </a:pPr>
             <a:r>
-              <a:rPr lang="en" sz="1300"/>
+              <a:rPr lang="en" sz="1000"/>
               <a:t>Transformer is an attention-based architecture for Natural Language Processing (NLP).</a:t>
             </a:r>
-            <a:endParaRPr sz="1300"/>
-          </a:p>
-          <a:p>
-            <a:pPr indent="0" lvl="0" marL="914400" rtl="0" algn="l">
-              <a:spcBef>
-                <a:spcPts val="0"/>
-              </a:spcBef>
-              <a:spcAft>
-                <a:spcPts val="0"/>
-              </a:spcAft>
-              <a:buNone/>
-            </a:pPr>
-            <a:r>
-              <a:t/>
-            </a:r>
-            <a:endParaRPr sz="1300"/>
-          </a:p>
-          <a:p>
-            <a:pPr indent="-317500" lvl="0" marL="457200" rtl="0" algn="l">
+            <a:endParaRPr sz="1000"/>
+          </a:p>
+          <a:p>
+            <a:pPr indent="-298450" lvl="1" marL="914400" rtl="0" algn="l">
               <a:spcBef>
                 <a:spcPts val="0"/>
               </a:spcBef>
@@ -11873,17 +12642,52 @@
               <a:buClr>
                 <a:schemeClr val="dk1"/>
               </a:buClr>
-              <a:buSzPts val="1400"/>
+              <a:buSzPts val="1100"/>
               <a:buChar char="●"/>
             </a:pPr>
             <a:r>
-              <a:rPr lang="en" sz="1300"/>
-              <a:t>Two Components</a:t>
-            </a:r>
-            <a:endParaRPr sz="1300"/>
-          </a:p>
-          <a:p>
-            <a:pPr indent="-317500" lvl="1" marL="914400" rtl="0" algn="l">
+              <a:rPr b="1" lang="en" sz="1000"/>
+              <a:t>BERT's Foundation</a:t>
+            </a:r>
+            <a:r>
+              <a:rPr lang="en" sz="1000"/>
+              <a:t>: BERT, or Bidirectional Encoder Representations from Transformers, </a:t>
+            </a:r>
+            <a:endParaRPr sz="1000"/>
+          </a:p>
+          <a:p>
+            <a:pPr indent="0" lvl="0" marL="914400" rtl="0" algn="l">
+              <a:spcBef>
+                <a:spcPts val="0"/>
+              </a:spcBef>
+              <a:spcAft>
+                <a:spcPts val="0"/>
+              </a:spcAft>
+              <a:buNone/>
+            </a:pPr>
+            <a:r>
+              <a:rPr lang="en" sz="1000"/>
+              <a:t>is a multi-layer bidirectional transformer encoder.</a:t>
+            </a:r>
+            <a:endParaRPr sz="1000"/>
+          </a:p>
+          <a:p>
+            <a:pPr indent="0" lvl="0" marL="914400" rtl="0" algn="l">
+              <a:spcBef>
+                <a:spcPts val="0"/>
+              </a:spcBef>
+              <a:spcAft>
+                <a:spcPts val="0"/>
+              </a:spcAft>
+              <a:buNone/>
+            </a:pPr>
+            <a:r>
+              <a:t/>
+            </a:r>
+            <a:endParaRPr sz="1000"/>
+          </a:p>
+          <a:p>
+            <a:pPr indent="-298450" lvl="0" marL="457200" rtl="0" algn="l">
               <a:spcBef>
                 <a:spcPts val="0"/>
               </a:spcBef>
@@ -11893,17 +12697,17 @@
               <a:buClr>
                 <a:schemeClr val="dk1"/>
               </a:buClr>
-              <a:buSzPts val="1400"/>
+              <a:buSzPts val="1100"/>
               <a:buChar char="●"/>
             </a:pPr>
             <a:r>
-              <a:rPr lang="en" sz="1300"/>
-              <a:t>Transformer consists of two main components:</a:t>
-            </a:r>
-            <a:endParaRPr sz="1300"/>
-          </a:p>
-          <a:p>
-            <a:pPr indent="-317500" lvl="2" marL="1371600" rtl="0" algn="l">
+              <a:rPr lang="en" sz="1000"/>
+              <a:t>Two Components</a:t>
+            </a:r>
+            <a:endParaRPr sz="1000"/>
+          </a:p>
+          <a:p>
+            <a:pPr indent="-298450" lvl="1" marL="914400" rtl="0" algn="l">
               <a:spcBef>
                 <a:spcPts val="0"/>
               </a:spcBef>
@@ -11913,17 +12717,17 @@
               <a:buClr>
                 <a:schemeClr val="dk1"/>
               </a:buClr>
-              <a:buSzPts val="1400"/>
+              <a:buSzPts val="1100"/>
               <a:buChar char="●"/>
             </a:pPr>
             <a:r>
-              <a:rPr lang="en" sz="1300"/>
-              <a:t>Encoding component.</a:t>
-            </a:r>
-            <a:endParaRPr sz="1300"/>
-          </a:p>
-          <a:p>
-            <a:pPr indent="-317500" lvl="2" marL="1371600" rtl="0" algn="l">
+              <a:rPr lang="en" sz="1000"/>
+              <a:t>Transformer consists of two main components:</a:t>
+            </a:r>
+            <a:endParaRPr sz="1000"/>
+          </a:p>
+          <a:p>
+            <a:pPr indent="-298450" lvl="2" marL="1371600" rtl="0" algn="l">
               <a:spcBef>
                 <a:spcPts val="0"/>
               </a:spcBef>
@@ -11933,32 +12737,17 @@
               <a:buClr>
                 <a:schemeClr val="dk1"/>
               </a:buClr>
-              <a:buSzPts val="1400"/>
+              <a:buSzPts val="1100"/>
               <a:buChar char="●"/>
             </a:pPr>
             <a:r>
-              <a:rPr lang="en" sz="1300"/>
-              <a:t>Decoding component.</a:t>
-            </a:r>
-            <a:endParaRPr sz="1300"/>
-          </a:p>
-          <a:p>
-            <a:pPr indent="0" lvl="0" marL="1371600" rtl="0" algn="l">
-              <a:spcBef>
-                <a:spcPts val="0"/>
-              </a:spcBef>
-              <a:spcAft>
-                <a:spcPts val="0"/>
-              </a:spcAft>
-              <a:buNone/>
-            </a:pPr>
-            <a:r>
-              <a:t/>
-            </a:r>
-            <a:endParaRPr sz="1300"/>
-          </a:p>
-          <a:p>
-            <a:pPr indent="-317500" lvl="0" marL="457200" rtl="0" algn="l">
+              <a:rPr lang="en" sz="1000"/>
+              <a:t>Encoding component.</a:t>
+            </a:r>
+            <a:endParaRPr sz="1000"/>
+          </a:p>
+          <a:p>
+            <a:pPr indent="-298450" lvl="2" marL="1371600" rtl="0" algn="l">
               <a:spcBef>
                 <a:spcPts val="0"/>
               </a:spcBef>
@@ -11968,64 +12757,14 @@
               <a:buClr>
                 <a:schemeClr val="dk1"/>
               </a:buClr>
-              <a:buSzPts val="1400"/>
+              <a:buSzPts val="1100"/>
               <a:buChar char="●"/>
             </a:pPr>
             <a:r>
-              <a:rPr lang="en" sz="1300"/>
-              <a:t>BERT's Foundation</a:t>
-            </a:r>
-            <a:endParaRPr sz="1300"/>
-          </a:p>
-          <a:p>
-            <a:pPr indent="-317500" lvl="1" marL="914400" rtl="0" algn="l">
-              <a:spcBef>
-                <a:spcPts val="0"/>
-              </a:spcBef>
-              <a:spcAft>
-                <a:spcPts val="0"/>
-              </a:spcAft>
-              <a:buClr>
-                <a:schemeClr val="dk1"/>
-              </a:buClr>
-              <a:buSzPts val="1400"/>
-              <a:buChar char="●"/>
-            </a:pPr>
-            <a:r>
-              <a:rPr lang="en" sz="1300"/>
-              <a:t>BERT, or Bidirectional Encoder Representations from Transformers, is a multi-layer bidirectional transformer encoder.</a:t>
-            </a:r>
-            <a:endParaRPr sz="1300"/>
-          </a:p>
-          <a:p>
-            <a:pPr indent="0" lvl="0" marL="0" rtl="0" algn="l">
-              <a:spcBef>
-                <a:spcPts val="0"/>
-              </a:spcBef>
-              <a:spcAft>
-                <a:spcPts val="0"/>
-              </a:spcAft>
-              <a:buNone/>
-            </a:pPr>
-            <a:r>
-              <a:t/>
-            </a:r>
-            <a:endParaRPr sz="1300"/>
-          </a:p>
-          <a:p>
-            <a:pPr indent="0" lvl="0" marL="0" rtl="0" algn="l">
-              <a:spcBef>
-                <a:spcPts val="0"/>
-              </a:spcBef>
-              <a:spcAft>
-                <a:spcPts val="0"/>
-              </a:spcAft>
-              <a:buNone/>
-            </a:pPr>
-            <a:r>
-              <a:t/>
-            </a:r>
-            <a:endParaRPr sz="1300"/>
+              <a:rPr lang="en" sz="1000"/>
+              <a:t>Decoding component.</a:t>
+            </a:r>
+            <a:endParaRPr sz="1100"/>
           </a:p>
           <a:p>
             <a:pPr indent="0" lvl="0" marL="0" rtl="0" algn="l">
@@ -12190,22 +12929,21 @@
       </p:sp>
       <p:pic>
         <p:nvPicPr>
-          <p:cNvPr id="115" name="Google Shape;115;p20"/>
+          <p:cNvPr id="122" name="Google Shape;122;p20"/>
           <p:cNvPicPr preferRelativeResize="0"/>
           <p:nvPr/>
         </p:nvPicPr>
-        <p:blipFill>
+        <p:blipFill rotWithShape="1">
           <a:blip r:embed="rId3">
             <a:alphaModFix/>
           </a:blip>
-          <a:stretch>
-            <a:fillRect/>
-          </a:stretch>
+          <a:srcRect b="0" l="2808" r="0" t="5051"/>
+          <a:stretch/>
         </p:blipFill>
         <p:spPr>
           <a:xfrm>
-            <a:off x="6629800" y="1144125"/>
-            <a:ext cx="2241150" cy="3694575"/>
+            <a:off x="6493300" y="1252100"/>
+            <a:ext cx="2262800" cy="2844150"/>
           </a:xfrm>
           <a:prstGeom prst="rect">
             <a:avLst/>
@@ -12216,6 +12954,97 @@
           </a:ln>
         </p:spPr>
       </p:pic>
+      <p:pic>
+        <p:nvPicPr>
+          <p:cNvPr id="123" name="Google Shape;123;p20"/>
+          <p:cNvPicPr preferRelativeResize="0"/>
+          <p:nvPr/>
+        </p:nvPicPr>
+        <p:blipFill rotWithShape="1">
+          <a:blip r:embed="rId4">
+            <a:alphaModFix/>
+          </a:blip>
+          <a:srcRect b="-707" l="0" r="0" t="5068"/>
+          <a:stretch/>
+        </p:blipFill>
+        <p:spPr>
+          <a:xfrm>
+            <a:off x="405688" y="3090825"/>
+            <a:ext cx="5894876" cy="1920350"/>
+          </a:xfrm>
+          <a:prstGeom prst="rect">
+            <a:avLst/>
+          </a:prstGeom>
+          <a:noFill/>
+          <a:ln>
+            <a:noFill/>
+          </a:ln>
+        </p:spPr>
+      </p:pic>
+      <p:sp>
+        <p:nvSpPr>
+          <p:cNvPr id="124" name="Google Shape;124;p20"/>
+          <p:cNvSpPr txBox="1"/>
+          <p:nvPr/>
+        </p:nvSpPr>
+        <p:spPr>
+          <a:xfrm>
+            <a:off x="8386775" y="4599600"/>
+            <a:ext cx="609600" cy="543900"/>
+          </a:xfrm>
+          <a:prstGeom prst="rect">
+            <a:avLst/>
+          </a:prstGeom>
+          <a:noFill/>
+          <a:ln>
+            <a:noFill/>
+          </a:ln>
+        </p:spPr>
+        <p:txBody>
+          <a:bodyPr anchorCtr="0" anchor="t" bIns="91425" lIns="91425" spcFirstLastPara="1" rIns="91425" wrap="square" tIns="91425">
+            <a:noAutofit/>
+          </a:bodyPr>
+          <a:lstStyle/>
+          <a:p>
+            <a:pPr indent="0" lvl="0" marL="0" rtl="0" algn="l">
+              <a:spcBef>
+                <a:spcPts val="0"/>
+              </a:spcBef>
+              <a:spcAft>
+                <a:spcPts val="0"/>
+              </a:spcAft>
+              <a:buNone/>
+            </a:pPr>
+            <a:r>
+              <a:rPr b="1" lang="en" sz="2400">
+                <a:solidFill>
+                  <a:schemeClr val="dk1"/>
+                </a:solidFill>
+                <a:highlight>
+                  <a:srgbClr val="0B5394"/>
+                </a:highlight>
+                <a:latin typeface="Alexandria"/>
+                <a:ea typeface="Alexandria"/>
+                <a:cs typeface="Alexandria"/>
+                <a:sym typeface="Alexandria"/>
+              </a:rPr>
+              <a:t>08   </a:t>
+            </a:r>
+            <a:endParaRPr b="1" sz="2400">
+              <a:solidFill>
+                <a:schemeClr val="dk1"/>
+              </a:solidFill>
+              <a:highlight>
+                <a:srgbClr val="0B5394"/>
+              </a:highlight>
+              <a:latin typeface="Alexandria"/>
+              <a:ea typeface="Alexandria"/>
+              <a:cs typeface="Alexandria"/>
+              <a:sym typeface="Alexandria"/>
+            </a:endParaRPr>
+          </a:p>
+        </p:txBody>
+      </p:sp>
     </p:spTree>
   </p:cSld>
   <p:clrMapOvr>
@@ -12229,7 +13058,7 @@
   <p:cSld>
     <p:spTree>
       <p:nvGrpSpPr>
-        <p:cNvPr id="119" name="Shape 119"/>
+        <p:cNvPr id="128" name="Shape 128"/>
         <p:cNvGrpSpPr/>
         <p:nvPr/>
       </p:nvGrpSpPr>
@@ -12243,7 +13072,7 @@
       </p:grpSpPr>
       <p:cxnSp>
         <p:nvCxnSpPr>
-          <p:cNvPr id="120" name="Google Shape;120;p21"/>
+          <p:cNvPr id="129" name="Google Shape;129;p21"/>
           <p:cNvCxnSpPr/>
           <p:nvPr/>
         </p:nvCxnSpPr>
@@ -12269,7 +13098,7 @@
       </p:cxnSp>
       <p:cxnSp>
         <p:nvCxnSpPr>
-          <p:cNvPr id="121" name="Google Shape;121;p21"/>
+          <p:cNvPr id="130" name="Google Shape;130;p21"/>
           <p:cNvCxnSpPr/>
           <p:nvPr/>
         </p:nvCxnSpPr>
@@ -12295,7 +13124,7 @@
       </p:cxnSp>
       <p:pic>
         <p:nvPicPr>
-          <p:cNvPr id="122" name="Google Shape;122;p21"/>
+          <p:cNvPr id="131" name="Google Shape;131;p21"/>
           <p:cNvPicPr preferRelativeResize="0"/>
           <p:nvPr/>
         </p:nvPicPr>
@@ -12320,6 +13149,70 @@
           </a:ln>
         </p:spPr>
       </p:pic>
+      <p:sp>
+        <p:nvSpPr>
+          <p:cNvPr id="132" name="Google Shape;132;p21"/>
+          <p:cNvSpPr txBox="1"/>
+          <p:nvPr/>
+        </p:nvSpPr>
+        <p:spPr>
+          <a:xfrm>
+            <a:off x="8386775" y="4599600"/>
+            <a:ext cx="609600" cy="543900"/>
+          </a:xfrm>
+          <a:prstGeom prst="rect">
+            <a:avLst/>
+          </a:prstGeom>
+          <a:noFill/>
+          <a:ln>
+            <a:noFill/>
+          </a:ln>
+        </p:spPr>
+        <p:txBody>
+          <a:bodyPr anchorCtr="0" anchor="t" bIns="91425" lIns="91425" spcFirstLastPara="1" rIns="91425" wrap="square" tIns="91425">
+            <a:noAutofit/>
+          </a:bodyPr>
+          <a:lstStyle/>
+          <a:p>
+            <a:pPr indent="0" lvl="0" marL="0" rtl="0" algn="l">
+              <a:spcBef>
+                <a:spcPts val="0"/>
+              </a:spcBef>
+              <a:spcAft>
+                <a:spcPts val="0"/>
+              </a:spcAft>
+              <a:buNone/>
+            </a:pPr>
+            <a:r>
+              <a:rPr b="1" lang="en" sz="2400">
+                <a:solidFill>
+                  <a:schemeClr val="dk1"/>
+                </a:solidFill>
+                <a:highlight>
+                  <a:srgbClr val="0B5394"/>
+                </a:highlight>
+                <a:latin typeface="Alexandria"/>
+                <a:ea typeface="Alexandria"/>
+                <a:cs typeface="Alexandria"/>
+                <a:sym typeface="Alexandria"/>
+              </a:rPr>
+              <a:t>09   </a:t>
+            </a:r>
+            <a:endParaRPr b="1" sz="2400">
+              <a:solidFill>
+                <a:schemeClr val="dk1"/>
+              </a:solidFill>
+              <a:highlight>
+                <a:srgbClr val="0B5394"/>
+              </a:highlight>
+              <a:latin typeface="Alexandria"/>
+              <a:ea typeface="Alexandria"/>
+              <a:cs typeface="Alexandria"/>
+              <a:sym typeface="Alexandria"/>
+            </a:endParaRPr>
+          </a:p>
+        </p:txBody>
+      </p:sp>
     </p:spTree>
   </p:cSld>
   <p:clrMapOvr>
@@ -12329,6 +13222,285 @@
 </file>
 
 <file path=ppt/theme/theme1.xml><?xml version="1.0" encoding="utf-8"?>
+<a:theme xmlns:a="http://schemas.openxmlformats.org/drawingml/2006/main" xmlns:r="http://schemas.openxmlformats.org/officeDocument/2006/relationships">
+  <a:themeElements>
+    <a:clrScheme name="Default">
+      <a:dk1>
+        <a:srgbClr val="000000"/>
+      </a:dk1>
+      <a:lt1>
+        <a:srgbClr val="FFFFFF"/>
+      </a:lt1>
+      <a:dk2>
+        <a:srgbClr val="158158"/>
+      </a:dk2>
+      <a:lt2>
+        <a:srgbClr val="F3F3F3"/>
+      </a:lt2>
+      <a:accent1>
+        <a:srgbClr val="058DC7"/>
+      </a:accent1>
+      <a:accent2>
+        <a:srgbClr val="50B432"/>
+      </a:accent2>
+      <a:accent3>
+        <a:srgbClr val="ED561B"/>
+      </a:accent3>
+      <a:accent4>
+        <a:srgbClr val="EDEF00"/>
+      </a:accent4>
+      <a:accent5>
+        <a:srgbClr val="24CBE5"/>
+      </a:accent5>
+      <a:accent6>
+        <a:srgbClr val="64E572"/>
+      </a:accent6>
+      <a:hlink>
+        <a:srgbClr val="2200CC"/>
+      </a:hlink>
+      <a:folHlink>
+        <a:srgbClr val="551A8B"/>
+      </a:folHlink>
+    </a:clrScheme>
+    <a:fontScheme name="Office">
+      <a:majorFont>
+        <a:latin typeface="Arial"/>
+        <a:ea typeface=""/>
+        <a:cs typeface=""/>
+        <a:font script="Jpan" typeface="ＭＳ Ｐゴシック"/>
+        <a:font script="Hang" typeface="맑은 고딕"/>
+        <a:font script="Hans" typeface="宋体"/>
+        <a:font script="Hant" typeface="新細明體"/>
+        <a:font script="Arab" typeface="Times New Roman"/>
+        <a:font script="Hebr" typeface="Times New Roman"/>
+        <a:font script="Thai" typeface="Angsana New"/>
+        <a:font script="Ethi" typeface="Nyala"/>
+        <a:font script="Beng" typeface="Vrinda"/>
+        <a:font script="Gujr" typeface="Shruti"/>
+        <a:font script="Khmr" typeface="MoolBoran"/>
+        <a:font script="Knda" typeface="Tunga"/>
+        <a:font script="Guru" typeface="Raavi"/>
+        <a:font script="Cans" typeface="Euphemia"/>
+        <a:font script="Cher" typeface="Plantagenet Cherokee"/>
+        <a:font script="Yiii" typeface="Microsoft Yi Baiti"/>
+        <a:font script="Tibt" typeface="Microsoft Himalaya"/>
+        <a:font script="Thaa" typeface="MV Boli"/>
+        <a:font script="Deva" typeface="Mangal"/>
+        <a:font script="Telu" typeface="Gautami"/>
+        <a:font script="Taml" typeface="Latha"/>
+        <a:font script="Syrc" typeface="Estrangelo Edessa"/>
+        <a:font script="Orya" typeface="Kalinga"/>
+        <a:font script="Mlym" typeface="Kartika"/>
+        <a:font script="Laoo" typeface="DokChampa"/>
+        <a:font script="Sinh" typeface="Iskoola Pota"/>
+        <a:font script="Mong" typeface="Mongolian Baiti"/>
+        <a:font script="Viet" typeface="Times New Roman"/>
+        <a:font script="Uigh" typeface="Microsoft Uighur"/>
+        <a:font script="Geor" typeface="Sylfaen"/>
+      </a:majorFont>
+      <a:minorFont>
+        <a:latin typeface="Arial"/>
+        <a:ea typeface=""/>
+        <a:cs typeface=""/>
+        <a:font script="Jpan" typeface="ＭＳ Ｐゴシック"/>
+        <a:font script="Hang" typeface="맑은 고딕"/>
+        <a:font script="Hans" typeface="宋体"/>
+        <a:font script="Hant" typeface="新細明體"/>
+        <a:font script="Arab" typeface="Arial"/>
+        <a:font script="Hebr" typeface="Arial"/>
+        <a:font script="Thai" typeface="Cordia New"/>
+        <a:font script="Ethi" typeface="Nyala"/>
+        <a:font script="Beng" typeface="Vrinda"/>
+        <a:font script="Gujr" typeface="Shruti"/>
+        <a:font script="Khmr" typeface="DaunPenh"/>
+        <a:font script="Knda" typeface="Tunga"/>
+        <a:font script="Guru" typeface="Raavi"/>
+        <a:font script="Cans" typeface="Euphemia"/>
+        <a:font script="Cher" typeface="Plantagenet Cherokee"/>
+        <a:font script="Yiii" typeface="Microsoft Yi Baiti"/>
+        <a:font script="Tibt" typeface="Microsoft Himalaya"/>
+        <a:font script="Thaa" typeface="MV Boli"/>
+        <a:font script="Deva" typeface="Mangal"/>
+        <a:font script="Telu" typeface="Gautami"/>
+        <a:font script="Taml" typeface="Latha"/>
+        <a:font script="Syrc" typeface="Estrangelo Edessa"/>
+        <a:font script="Orya" typeface="Kalinga"/>
+        <a:font script="Mlym" typeface="Kartika"/>
+        <a:font script="Laoo" typeface="DokChampa"/>
+        <a:font script="Sinh" typeface="Iskoola Pota"/>
+        <a:font script="Mong" typeface="Mongolian Baiti"/>
+        <a:font script="Viet" typeface="Arial"/>
+        <a:font script="Uigh" typeface="Microsoft Uighur"/>
+        <a:font script="Geor" typeface="Sylfaen"/>
+      </a:minorFont>
+    </a:fontScheme>
+    <a:fmtScheme name="Office">
+      <a:fillStyleLst>
+        <a:solidFill>
+          <a:schemeClr val="phClr"/>
+        </a:solidFill>
+        <a:gradFill rotWithShape="1">
+          <a:gsLst>
+            <a:gs pos="0">
+              <a:schemeClr val="phClr">
+                <a:tint val="50000"/>
+                <a:satMod val="300000"/>
+              </a:schemeClr>
+            </a:gs>
+            <a:gs pos="35000">
+              <a:schemeClr val="phClr">
+                <a:tint val="37000"/>
+                <a:satMod val="300000"/>
+              </a:schemeClr>
+            </a:gs>
+            <a:gs pos="100000">
+              <a:schemeClr val="phClr">
+                <a:tint val="15000"/>
+                <a:satMod val="350000"/>
+              </a:schemeClr>
+            </a:gs>
+          </a:gsLst>
+          <a:lin ang="16200000" scaled="1"/>
+        </a:gradFill>
+        <a:gradFill rotWithShape="1">
+          <a:gsLst>
+            <a:gs pos="0">
+              <a:schemeClr val="phClr">
+                <a:tint val="100000"/>
+                <a:shade val="100000"/>
+                <a:satMod val="130000"/>
+              </a:schemeClr>
+            </a:gs>
+            <a:gs pos="100000">
+              <a:schemeClr val="phClr">
+                <a:tint val="50000"/>
+                <a:shade val="100000"/>
+                <a:satMod val="350000"/>
+              </a:schemeClr>
+            </a:gs>
+          </a:gsLst>
+          <a:lin ang="16200000" scaled="0"/>
+        </a:gradFill>
+      </a:fillStyleLst>
+      <a:lnStyleLst>
+        <a:ln w="9525" cap="flat" cmpd="sng" algn="ctr">
+          <a:solidFill>
+            <a:schemeClr val="phClr">
+              <a:shade val="95000"/>
+              <a:satMod val="105000"/>
+            </a:schemeClr>
+          </a:solidFill>
+          <a:prstDash val="solid"/>
+        </a:ln>
+        <a:ln w="25400" cap="flat" cmpd="sng" algn="ctr">
+          <a:solidFill>
+            <a:schemeClr val="phClr"/>
+          </a:solidFill>
+          <a:prstDash val="solid"/>
+        </a:ln>
+        <a:ln w="38100" cap="flat" cmpd="sng" algn="ctr">
+          <a:solidFill>
+            <a:schemeClr val="phClr"/>
+          </a:solidFill>
+          <a:prstDash val="solid"/>
+        </a:ln>
+      </a:lnStyleLst>
+      <a:effectStyleLst>
+        <a:effectStyle>
+          <a:effectLst>
+            <a:outerShdw blurRad="40000" dist="20000" dir="5400000" rotWithShape="0">
+              <a:srgbClr val="000000">
+                <a:alpha val="38000"/>
+              </a:srgbClr>
+            </a:outerShdw>
+          </a:effectLst>
+        </a:effectStyle>
+        <a:effectStyle>
+          <a:effectLst>
+            <a:outerShdw blurRad="40000" dist="23000" dir="5400000" rotWithShape="0">
+              <a:srgbClr val="000000">
+                <a:alpha val="35000"/>
+              </a:srgbClr>
+            </a:outerShdw>
+          </a:effectLst>
+        </a:effectStyle>
+        <a:effectStyle>
+          <a:effectLst>
+            <a:outerShdw blurRad="40000" dist="23000" dir="5400000" rotWithShape="0">
+              <a:srgbClr val="000000">
+                <a:alpha val="35000"/>
+              </a:srgbClr>
+            </a:outerShdw>
+          </a:effectLst>
+          <a:scene3d>
+            <a:camera prst="orthographicFront">
+              <a:rot lat="0" lon="0" rev="0"/>
+            </a:camera>
+            <a:lightRig rig="threePt" dir="t">
+              <a:rot lat="0" lon="0" rev="1200000"/>
+            </a:lightRig>
+          </a:scene3d>
+          <a:sp3d>
+            <a:bevelT w="63500" h="25400"/>
+          </a:sp3d>
+        </a:effectStyle>
+      </a:effectStyleLst>
+      <a:bgFillStyleLst>
+        <a:solidFill>
+          <a:schemeClr val="phClr"/>
+        </a:solidFill>
+        <a:gradFill rotWithShape="1">
+          <a:gsLst>
+            <a:gs pos="0">
+              <a:schemeClr val="phClr">
+                <a:tint val="40000"/>
+                <a:satMod val="350000"/>
+              </a:schemeClr>
+            </a:gs>
+            <a:gs pos="40000">
+              <a:schemeClr val="phClr">
+                <a:tint val="45000"/>
+                <a:shade val="99000"/>
+                <a:satMod val="350000"/>
+              </a:schemeClr>
+            </a:gs>
+            <a:gs pos="100000">
+              <a:schemeClr val="phClr">
+                <a:shade val="20000"/>
+                <a:satMod val="255000"/>
+              </a:schemeClr>
+            </a:gs>
+          </a:gsLst>
+          <a:path path="circle">
+            <a:fillToRect l="50000" t="-80000" r="50000" b="180000"/>
+          </a:path>
+        </a:gradFill>
+        <a:gradFill rotWithShape="1">
+          <a:gsLst>
+            <a:gs pos="0">
+              <a:schemeClr val="phClr">
+                <a:tint val="80000"/>
+                <a:satMod val="300000"/>
+              </a:schemeClr>
+            </a:gs>
+            <a:gs pos="100000">
+              <a:schemeClr val="phClr">
+                <a:shade val="30000"/>
+                <a:satMod val="200000"/>
+              </a:schemeClr>
+            </a:gs>
+          </a:gsLst>
+          <a:path path="circle">
+            <a:fillToRect l="50000" t="50000" r="50000" b="50000"/>
+          </a:path>
+        </a:gradFill>
+      </a:bgFillStyleLst>
+    </a:fmtScheme>
+  </a:themeElements>
+</a:theme>
+</file>
+
+<file path=ppt/theme/theme2.xml><?xml version="1.0" encoding="utf-8"?>
 <a:theme xmlns:a="http://schemas.openxmlformats.org/drawingml/2006/main" xmlns:r="http://schemas.openxmlformats.org/officeDocument/2006/relationships" name="Marina">
   <a:themeElements>
     <a:clrScheme name="Marina">
@@ -12605,283 +13777,4 @@
     </a:fmtScheme>
   </a:themeElements>
 </a:theme>
-</file>
-
-<file path=ppt/theme/theme2.xml><?xml version="1.0" encoding="utf-8"?>
-<a:theme xmlns:a="http://schemas.openxmlformats.org/drawingml/2006/main" xmlns:r="http://schemas.openxmlformats.org/officeDocument/2006/relationships">
-  <a:themeElements>
-    <a:clrScheme name="Default">
-      <a:dk1>
-        <a:srgbClr val="000000"/>
-      </a:dk1>
-      <a:lt1>
-        <a:srgbClr val="FFFFFF"/>
-      </a:lt1>
-      <a:dk2>
-        <a:srgbClr val="158158"/>
-      </a:dk2>
-      <a:lt2>
-        <a:srgbClr val="F3F3F3"/>
-      </a:lt2>
-      <a:accent1>
-        <a:srgbClr val="058DC7"/>
-      </a:accent1>
-      <a:accent2>
-        <a:srgbClr val="50B432"/>
-      </a:accent2>
-      <a:accent3>
-        <a:srgbClr val="ED561B"/>
-      </a:accent3>
-      <a:accent4>
-        <a:srgbClr val="EDEF00"/>
-      </a:accent4>
-      <a:accent5>
-        <a:srgbClr val="24CBE5"/>
-      </a:accent5>
-      <a:accent6>
-        <a:srgbClr val="64E572"/>
-      </a:accent6>
-      <a:hlink>
-        <a:srgbClr val="2200CC"/>
-      </a:hlink>
-      <a:folHlink>
-        <a:srgbClr val="551A8B"/>
-      </a:folHlink>
-    </a:clrScheme>
-    <a:fontScheme name="Office">
-      <a:majorFont>
-        <a:latin typeface="Arial"/>
-        <a:ea typeface=""/>
-        <a:cs typeface=""/>
-        <a:font script="Jpan" typeface="ＭＳ Ｐゴシック"/>
-        <a:font script="Hang" typeface="맑은 고딕"/>
-        <a:font script="Hans" typeface="宋体"/>
-        <a:font script="Hant" typeface="新細明體"/>
-        <a:font script="Arab" typeface="Times New Roman"/>
-        <a:font script="Hebr" typeface="Times New Roman"/>
-        <a:font script="Thai" typeface="Angsana New"/>
-        <a:font script="Ethi" typeface="Nyala"/>
-        <a:font script="Beng" typeface="Vrinda"/>
-        <a:font script="Gujr" typeface="Shruti"/>
-        <a:font script="Khmr" typeface="MoolBoran"/>
-        <a:font script="Knda" typeface="Tunga"/>
-        <a:font script="Guru" typeface="Raavi"/>
-        <a:font script="Cans" typeface="Euphemia"/>
-        <a:font script="Cher" typeface="Plantagenet Cherokee"/>
-        <a:font script="Yiii" typeface="Microsoft Yi Baiti"/>
-        <a:font script="Tibt" typeface="Microsoft Himalaya"/>
-        <a:font script="Thaa" typeface="MV Boli"/>
-        <a:font script="Deva" typeface="Mangal"/>
-        <a:font script="Telu" typeface="Gautami"/>
-        <a:font script="Taml" typeface="Latha"/>
-        <a:font script="Syrc" typeface="Estrangelo Edessa"/>
-        <a:font script="Orya" typeface="Kalinga"/>
-        <a:font script="Mlym" typeface="Kartika"/>
-        <a:font script="Laoo" typeface="DokChampa"/>
-        <a:font script="Sinh" typeface="Iskoola Pota"/>
-        <a:font script="Mong" typeface="Mongolian Baiti"/>
-        <a:font script="Viet" typeface="Times New Roman"/>
-        <a:font script="Uigh" typeface="Microsoft Uighur"/>
-        <a:font script="Geor" typeface="Sylfaen"/>
-      </a:majorFont>
-      <a:minorFont>
-        <a:latin typeface="Arial"/>
-        <a:ea typeface=""/>
-        <a:cs typeface=""/>
-        <a:font script="Jpan" typeface="ＭＳ Ｐゴシック"/>
-        <a:font script="Hang" typeface="맑은 고딕"/>
-        <a:font script="Hans" typeface="宋体"/>
-        <a:font script="Hant" typeface="新細明體"/>
-        <a:font script="Arab" typeface="Arial"/>
-        <a:font script="Hebr" typeface="Arial"/>
-        <a:font script="Thai" typeface="Cordia New"/>
-        <a:font script="Ethi" typeface="Nyala"/>
-        <a:font script="Beng" typeface="Vrinda"/>
-        <a:font script="Gujr" typeface="Shruti"/>
-        <a:font script="Khmr" typeface="DaunPenh"/>
-        <a:font script="Knda" typeface="Tunga"/>
-        <a:font script="Guru" typeface="Raavi"/>
-        <a:font script="Cans" typeface="Euphemia"/>
-        <a:font script="Cher" typeface="Plantagenet Cherokee"/>
-        <a:font script="Yiii" typeface="Microsoft Yi Baiti"/>
-        <a:font script="Tibt" typeface="Microsoft Himalaya"/>
-        <a:font script="Thaa" typeface="MV Boli"/>
-        <a:font script="Deva" typeface="Mangal"/>
-        <a:font script="Telu" typeface="Gautami"/>
-        <a:font script="Taml" typeface="Latha"/>
-        <a:font script="Syrc" typeface="Estrangelo Edessa"/>
-        <a:font script="Orya" typeface="Kalinga"/>
-        <a:font script="Mlym" typeface="Kartika"/>
-        <a:font script="Laoo" typeface="DokChampa"/>
-        <a:font script="Sinh" typeface="Iskoola Pota"/>
-        <a:font script="Mong" typeface="Mongolian Baiti"/>
-        <a:font script="Viet" typeface="Arial"/>
-        <a:font script="Uigh" typeface="Microsoft Uighur"/>
-        <a:font script="Geor" typeface="Sylfaen"/>
-      </a:minorFont>
-    </a:fontScheme>
-    <a:fmtScheme name="Office">
-      <a:fillStyleLst>
-        <a:solidFill>
-          <a:schemeClr val="phClr"/>
-        </a:solidFill>
-        <a:gradFill rotWithShape="1">
-          <a:gsLst>
-            <a:gs pos="0">
-              <a:schemeClr val="phClr">
-                <a:tint val="50000"/>
-                <a:satMod val="300000"/>
-              </a:schemeClr>
-            </a:gs>
-            <a:gs pos="35000">
-              <a:schemeClr val="phClr">
-                <a:tint val="37000"/>
-                <a:satMod val="300000"/>
-              </a:schemeClr>
-            </a:gs>
-            <a:gs pos="100000">
-              <a:schemeClr val="phClr">
-                <a:tint val="15000"/>
-                <a:satMod val="350000"/>
-              </a:schemeClr>
-            </a:gs>
-          </a:gsLst>
-          <a:lin ang="16200000" scaled="1"/>
-        </a:gradFill>
-        <a:gradFill rotWithShape="1">
-          <a:gsLst>
-            <a:gs pos="0">
-              <a:schemeClr val="phClr">
-                <a:tint val="100000"/>
-                <a:shade val="100000"/>
-                <a:satMod val="130000"/>
-              </a:schemeClr>
-            </a:gs>
-            <a:gs pos="100000">
-              <a:schemeClr val="phClr">
-                <a:tint val="50000"/>
-                <a:shade val="100000"/>
-                <a:satMod val="350000"/>
-              </a:schemeClr>
-            </a:gs>
-          </a:gsLst>
-          <a:lin ang="16200000" scaled="0"/>
-        </a:gradFill>
-      </a:fillStyleLst>
-      <a:lnStyleLst>
-        <a:ln w="9525" cap="flat" cmpd="sng" algn="ctr">
-          <a:solidFill>
-            <a:schemeClr val="phClr">
-              <a:shade val="95000"/>
-              <a:satMod val="105000"/>
-            </a:schemeClr>
-          </a:solidFill>
-          <a:prstDash val="solid"/>
-        </a:ln>
-        <a:ln w="25400" cap="flat" cmpd="sng" algn="ctr">
-          <a:solidFill>
-            <a:schemeClr val="phClr"/>
-          </a:solidFill>
-          <a:prstDash val="solid"/>
-        </a:ln>
-        <a:ln w="38100" cap="flat" cmpd="sng" algn="ctr">
-          <a:solidFill>
-            <a:schemeClr val="phClr"/>
-          </a:solidFill>
-          <a:prstDash val="solid"/>
-        </a:ln>
-      </a:lnStyleLst>
-      <a:effectStyleLst>
-        <a:effectStyle>
-          <a:effectLst>
-            <a:outerShdw blurRad="40000" dist="20000" dir="5400000" rotWithShape="0">
-              <a:srgbClr val="000000">
-                <a:alpha val="38000"/>
-              </a:srgbClr>
-            </a:outerShdw>
-          </a:effectLst>
-        </a:effectStyle>
-        <a:effectStyle>
-          <a:effectLst>
-            <a:outerShdw blurRad="40000" dist="23000" dir="5400000" rotWithShape="0">
-              <a:srgbClr val="000000">
-                <a:alpha val="35000"/>
-              </a:srgbClr>
-            </a:outerShdw>
-          </a:effectLst>
-        </a:effectStyle>
-        <a:effectStyle>
-          <a:effectLst>
-            <a:outerShdw blurRad="40000" dist="23000" dir="5400000" rotWithShape="0">
-              <a:srgbClr val="000000">
-                <a:alpha val="35000"/>
-              </a:srgbClr>
-            </a:outerShdw>
-          </a:effectLst>
-          <a:scene3d>
-            <a:camera prst="orthographicFront">
-              <a:rot lat="0" lon="0" rev="0"/>
-            </a:camera>
-            <a:lightRig rig="threePt" dir="t">
-              <a:rot lat="0" lon="0" rev="1200000"/>
-            </a:lightRig>
-          </a:scene3d>
-          <a:sp3d>
-            <a:bevelT w="63500" h="25400"/>
-          </a:sp3d>
-        </a:effectStyle>
-      </a:effectStyleLst>
-      <a:bgFillStyleLst>
-        <a:solidFill>
-          <a:schemeClr val="phClr"/>
-        </a:solidFill>
-        <a:gradFill rotWithShape="1">
-          <a:gsLst>
-            <a:gs pos="0">
-              <a:schemeClr val="phClr">
-                <a:tint val="40000"/>
-                <a:satMod val="350000"/>
-              </a:schemeClr>
-            </a:gs>
-            <a:gs pos="40000">
-              <a:schemeClr val="phClr">
-                <a:tint val="45000"/>
-                <a:shade val="99000"/>
-                <a:satMod val="350000"/>
-              </a:schemeClr>
-            </a:gs>
-            <a:gs pos="100000">
-              <a:schemeClr val="phClr">
-                <a:shade val="20000"/>
-                <a:satMod val="255000"/>
-              </a:schemeClr>
-            </a:gs>
-          </a:gsLst>
-          <a:path path="circle">
-            <a:fillToRect l="50000" t="-80000" r="50000" b="180000"/>
-          </a:path>
-        </a:gradFill>
-        <a:gradFill rotWithShape="1">
-          <a:gsLst>
-            <a:gs pos="0">
-              <a:schemeClr val="phClr">
-                <a:tint val="80000"/>
-                <a:satMod val="300000"/>
-              </a:schemeClr>
-            </a:gs>
-            <a:gs pos="100000">
-              <a:schemeClr val="phClr">
-                <a:shade val="30000"/>
-                <a:satMod val="200000"/>
-              </a:schemeClr>
-            </a:gs>
-          </a:gsLst>
-          <a:path path="circle">
-            <a:fillToRect l="50000" t="50000" r="50000" b="50000"/>
-          </a:path>
-        </a:gradFill>
-      </a:bgFillStyleLst>
-    </a:fmtScheme>
-  </a:themeElements>
-</a:theme>
 </file>